--- a/Calendario2023/Presentaciones/17_RuteoEstatico.pptx
+++ b/Calendario2023/Presentaciones/17_RuteoEstatico.pptx
@@ -15,14 +15,14 @@
     <p:sldId id="500" r:id="rId3"/>
     <p:sldId id="912" r:id="rId4"/>
     <p:sldId id="993" r:id="rId5"/>
-    <p:sldId id="995" r:id="rId6"/>
-    <p:sldId id="913" r:id="rId7"/>
-    <p:sldId id="998" r:id="rId8"/>
-    <p:sldId id="999" r:id="rId9"/>
-    <p:sldId id="1001" r:id="rId10"/>
-    <p:sldId id="1002" r:id="rId11"/>
-    <p:sldId id="1003" r:id="rId12"/>
-    <p:sldId id="1004" r:id="rId13"/>
+    <p:sldId id="913" r:id="rId6"/>
+    <p:sldId id="998" r:id="rId7"/>
+    <p:sldId id="999" r:id="rId8"/>
+    <p:sldId id="1001" r:id="rId9"/>
+    <p:sldId id="1002" r:id="rId10"/>
+    <p:sldId id="1003" r:id="rId11"/>
+    <p:sldId id="1004" r:id="rId12"/>
+    <p:sldId id="995" r:id="rId13"/>
     <p:sldId id="1005" r:id="rId14"/>
     <p:sldId id="1006" r:id="rId15"/>
     <p:sldId id="1007" r:id="rId16"/>
@@ -761,7 +761,7 @@
               </a14:hiddenFill>
             </a:ext>
             <a:ext uri="{FAA26D3D-D897-4be2-8F04-BA451C77F1D7}">
-              <ma14:placeholderFlag xmlns="" xmlns:o="urn:schemas-microsoft-com:office:office" xmlns:v="urn:schemas-microsoft-com:vml" xmlns:wp="http://schemas.openxmlformats.org/drawingml/2006/powerpointprocessingDrawing" xmlns:wne="http://schemas.microsoft.com/office/powerpoint/2006/powerpointml" xmlns:cdr="http://schemas.openxmlformats.org/drawingml/2006/chartDrawing" xmlns:dgm="http://schemas.openxmlformats.org/drawingml/2006/diagram" xmlns:c="http://schemas.openxmlformats.org/drawingml/2006/chart" xmlns:a14="http://schemas.microsoft.com/office/drawing/2010/main" xmlns:mc="http://schemas.openxmlformats.org/markup-compatibility/2006" xmlns:ma14="http://schemas.microsoft.com/office/mac/drawingml/2011/main" val="1"/>
+              <ma14:placeholderFlag xmlns:ma14="http://schemas.microsoft.com/office/mac/drawingml/2011/main" xmlns:mc="http://schemas.openxmlformats.org/markup-compatibility/2006" xmlns:a14="http://schemas.microsoft.com/office/drawing/2010/main" xmlns:c="http://schemas.openxmlformats.org/drawingml/2006/chart" xmlns:dgm="http://schemas.openxmlformats.org/drawingml/2006/diagram" xmlns:cdr="http://schemas.openxmlformats.org/drawingml/2006/chartDrawing" xmlns:wne="http://schemas.microsoft.com/office/powerpoint/2006/powerpointml" xmlns:wp="http://schemas.openxmlformats.org/drawingml/2006/powerpointprocessingDrawing" xmlns:v="urn:schemas-microsoft-com:vml" xmlns:o="urn:schemas-microsoft-com:office:office" xmlns="" val="1"/>
             </a:ext>
           </a:extLst>
         </p:spPr>
@@ -1514,7 +1514,7 @@
           <a:p>
             <a:r>
               <a:rPr lang="es-ES"/>
-              <a:t>2.2.1.5 Configurar una ruta estática totalmente especificada</a:t>
+              <a:t>2.2.1.6 Verificar una ruta estática</a:t>
             </a:r>
           </a:p>
           <a:p>
@@ -1528,7 +1528,7 @@
     </p:spTree>
     <p:extLst>
       <p:ext uri="{BB962C8B-B14F-4D97-AF65-F5344CB8AC3E}">
-        <p14:creationId xmlns:p14="http://schemas.microsoft.com/office/powerpoint/2010/main" val="631715439"/>
+        <p14:creationId xmlns:p14="http://schemas.microsoft.com/office/powerpoint/2010/main" val="757183850"/>
       </p:ext>
     </p:extLst>
   </p:cSld>
@@ -1771,9 +1771,26 @@
           <a:bodyPr/>
           <a:lstStyle/>
           <a:p>
+            <a:pPr marL="0" marR="0" indent="0" algn="l" defTabSz="1020763" rtl="0" eaLnBrk="0" fontAlgn="base" latinLnBrk="0" hangingPunct="0">
+              <a:lnSpc>
+                <a:spcPct val="90000"/>
+              </a:lnSpc>
+              <a:spcBef>
+                <a:spcPct val="50000"/>
+              </a:spcBef>
+              <a:spcAft>
+                <a:spcPct val="0"/>
+              </a:spcAft>
+              <a:buClrTx/>
+              <a:buSzPct val="100000"/>
+              <a:buFontTx/>
+              <a:buNone/>
+              <a:tabLst/>
+              <a:defRPr/>
+            </a:pPr>
             <a:r>
               <a:rPr lang="es-ES"/>
-              <a:t>2.2.1.6 Verificar una ruta estática</a:t>
+              <a:t>2.1.2.3 Ruta estática predeterminada</a:t>
             </a:r>
           </a:p>
           <a:p>
@@ -1787,7 +1804,7 @@
     </p:spTree>
     <p:extLst>
       <p:ext uri="{BB962C8B-B14F-4D97-AF65-F5344CB8AC3E}">
-        <p14:creationId xmlns:p14="http://schemas.microsoft.com/office/powerpoint/2010/main" val="757183850"/>
+        <p14:creationId xmlns:p14="http://schemas.microsoft.com/office/powerpoint/2010/main" val="1086885932"/>
       </p:ext>
     </p:extLst>
   </p:cSld>
@@ -3450,7 +3467,7 @@
       </p:grpSpPr>
       <p:sp>
         <p:nvSpPr>
-          <p:cNvPr id="22529" name="Rectangle 11"/>
+          <p:cNvPr id="31746" name="Rectangle 11"/>
           <p:cNvSpPr>
             <a:spLocks noGrp="1" noChangeArrowheads="1"/>
           </p:cNvSpPr>
@@ -3460,162 +3477,23 @@
         </p:nvSpPr>
         <p:spPr>
           <a:noFill/>
-          <a:ln/>
-          <a:extLst>
-            <a:ext uri="{909E8E84-426E-40DD-AFC4-6F175D3DCCD1}">
-              <a14:hiddenFill xmlns:a14="http://schemas.microsoft.com/office/drawing/2010/main">
-                <a:solidFill>
-                  <a:srgbClr val="FFFFFF"/>
-                </a:solidFill>
-              </a14:hiddenFill>
-            </a:ext>
-            <a:ext uri="{91240B29-F687-4F45-9708-019B960494DF}">
-              <a14:hiddenLine xmlns:a14="http://schemas.microsoft.com/office/drawing/2010/main" w="9525">
-                <a:solidFill>
-                  <a:srgbClr val="000000"/>
-                </a:solidFill>
-                <a:miter lim="800000"/>
-                <a:headEnd/>
-                <a:tailEnd/>
-              </a14:hiddenLine>
-            </a:ext>
-          </a:extLst>
         </p:spPr>
         <p:txBody>
           <a:bodyPr/>
-          <a:lstStyle>
-            <a:lvl1pPr defTabSz="903288">
-              <a:defRPr sz="2400">
-                <a:solidFill>
-                  <a:schemeClr val="tx1"/>
-                </a:solidFill>
-                <a:latin typeface="Arial" charset="0"/>
-                <a:ea typeface="ＭＳ Ｐゴシック" charset="0"/>
-                <a:cs typeface="ＭＳ Ｐゴシック" charset="0"/>
-              </a:defRPr>
-            </a:lvl1pPr>
-            <a:lvl2pPr marL="742950" indent="-285750" defTabSz="903288">
-              <a:defRPr sz="2400">
-                <a:solidFill>
-                  <a:schemeClr val="tx1"/>
-                </a:solidFill>
-                <a:latin typeface="Arial" charset="0"/>
-                <a:ea typeface="ＭＳ Ｐゴシック" charset="0"/>
-              </a:defRPr>
-            </a:lvl2pPr>
-            <a:lvl3pPr marL="1143000" indent="-228600" defTabSz="903288">
-              <a:defRPr sz="2400">
-                <a:solidFill>
-                  <a:schemeClr val="tx1"/>
-                </a:solidFill>
-                <a:latin typeface="Arial" charset="0"/>
-                <a:ea typeface="ＭＳ Ｐゴシック" charset="0"/>
-              </a:defRPr>
-            </a:lvl3pPr>
-            <a:lvl4pPr marL="1600200" indent="-228600" defTabSz="903288">
-              <a:defRPr sz="2400">
-                <a:solidFill>
-                  <a:schemeClr val="tx1"/>
-                </a:solidFill>
-                <a:latin typeface="Arial" charset="0"/>
-                <a:ea typeface="ＭＳ Ｐゴシック" charset="0"/>
-              </a:defRPr>
-            </a:lvl4pPr>
-            <a:lvl5pPr marL="2057400" indent="-228600" defTabSz="903288">
-              <a:defRPr sz="2400">
-                <a:solidFill>
-                  <a:schemeClr val="tx1"/>
-                </a:solidFill>
-                <a:latin typeface="Arial" charset="0"/>
-                <a:ea typeface="ＭＳ Ｐゴシック" charset="0"/>
-              </a:defRPr>
-            </a:lvl5pPr>
-            <a:lvl6pPr marL="2514600" indent="-228600" algn="ctr" defTabSz="903288" eaLnBrk="0" fontAlgn="base" hangingPunct="0">
-              <a:lnSpc>
-                <a:spcPct val="90000"/>
-              </a:lnSpc>
-              <a:spcBef>
-                <a:spcPct val="0"/>
-              </a:spcBef>
-              <a:spcAft>
-                <a:spcPct val="0"/>
-              </a:spcAft>
-              <a:defRPr sz="2400">
-                <a:solidFill>
-                  <a:schemeClr val="tx1"/>
-                </a:solidFill>
-                <a:latin typeface="Arial" charset="0"/>
-                <a:ea typeface="ＭＳ Ｐゴシック" charset="0"/>
-              </a:defRPr>
-            </a:lvl6pPr>
-            <a:lvl7pPr marL="2971800" indent="-228600" algn="ctr" defTabSz="903288" eaLnBrk="0" fontAlgn="base" hangingPunct="0">
-              <a:lnSpc>
-                <a:spcPct val="90000"/>
-              </a:lnSpc>
-              <a:spcBef>
-                <a:spcPct val="0"/>
-              </a:spcBef>
-              <a:spcAft>
-                <a:spcPct val="0"/>
-              </a:spcAft>
-              <a:defRPr sz="2400">
-                <a:solidFill>
-                  <a:schemeClr val="tx1"/>
-                </a:solidFill>
-                <a:latin typeface="Arial" charset="0"/>
-                <a:ea typeface="ＭＳ Ｐゴシック" charset="0"/>
-              </a:defRPr>
-            </a:lvl7pPr>
-            <a:lvl8pPr marL="3429000" indent="-228600" algn="ctr" defTabSz="903288" eaLnBrk="0" fontAlgn="base" hangingPunct="0">
-              <a:lnSpc>
-                <a:spcPct val="90000"/>
-              </a:lnSpc>
-              <a:spcBef>
-                <a:spcPct val="0"/>
-              </a:spcBef>
-              <a:spcAft>
-                <a:spcPct val="0"/>
-              </a:spcAft>
-              <a:defRPr sz="2400">
-                <a:solidFill>
-                  <a:schemeClr val="tx1"/>
-                </a:solidFill>
-                <a:latin typeface="Arial" charset="0"/>
-                <a:ea typeface="ＭＳ Ｐゴシック" charset="0"/>
-              </a:defRPr>
-            </a:lvl8pPr>
-            <a:lvl9pPr marL="3886200" indent="-228600" algn="ctr" defTabSz="903288" eaLnBrk="0" fontAlgn="base" hangingPunct="0">
-              <a:lnSpc>
-                <a:spcPct val="90000"/>
-              </a:lnSpc>
-              <a:spcBef>
-                <a:spcPct val="0"/>
-              </a:spcBef>
-              <a:spcAft>
-                <a:spcPct val="0"/>
-              </a:spcAft>
-              <a:defRPr sz="2400">
-                <a:solidFill>
-                  <a:schemeClr val="tx1"/>
-                </a:solidFill>
-                <a:latin typeface="Arial" charset="0"/>
-                <a:ea typeface="ＭＳ Ｐゴシック" charset="0"/>
-              </a:defRPr>
-            </a:lvl9pPr>
-          </a:lstStyle>
-          <a:p>
-            <a:fld id="{3997A419-355F-A04A-96E0-21643AF8E9FF}" type="slidenum">
-              <a:rPr lang="en-US" sz="800"/>
+          <a:lstStyle/>
+          <a:p>
+            <a:fld id="{F602A389-8690-465F-BB28-DC61C90E42E7}" type="slidenum">
+              <a:rPr lang="en-US" smtClean="0"/>
               <a:pPr/>
               <a:t>4</a:t>
             </a:fld>
-            <a:endParaRPr lang="es-ES" sz="800"/>
+            <a:endParaRPr lang="es-ES" dirty="0"/>
           </a:p>
         </p:txBody>
       </p:sp>
       <p:sp>
         <p:nvSpPr>
-          <p:cNvPr id="22530" name="Rectangle 2"/>
+          <p:cNvPr id="31747" name="Rectangle 2"/>
           <p:cNvSpPr>
             <a:spLocks noGrp="1" noRot="1" noChangeAspect="1" noChangeArrowheads="1" noTextEdit="1"/>
           </p:cNvSpPr>
@@ -3629,7 +3507,7 @@
       </p:sp>
       <p:sp>
         <p:nvSpPr>
-          <p:cNvPr id="22531" name="Rectangle 3"/>
+          <p:cNvPr id="31748" name="Rectangle 3"/>
           <p:cNvSpPr>
             <a:spLocks noGrp="1" noChangeArrowheads="1"/>
           </p:cNvSpPr>
@@ -3638,66 +3516,53 @@
           </p:nvPr>
         </p:nvSpPr>
         <p:spPr>
+          <a:xfrm>
+            <a:off x="404813" y="4378325"/>
+            <a:ext cx="6121400" cy="4252913"/>
+          </a:xfrm>
           <a:noFill/>
           <a:ln/>
-          <a:extLst>
-            <a:ext uri="{909E8E84-426E-40DD-AFC4-6F175D3DCCD1}">
-              <a14:hiddenFill xmlns:a14="http://schemas.microsoft.com/office/drawing/2010/main">
-                <a:solidFill>
-                  <a:srgbClr val="FFFFFF"/>
-                </a:solidFill>
-              </a14:hiddenFill>
-            </a:ext>
-            <a:ext uri="{91240B29-F687-4F45-9708-019B960494DF}">
-              <a14:hiddenLine xmlns:a14="http://schemas.microsoft.com/office/drawing/2010/main" w="9525">
-                <a:solidFill>
-                  <a:srgbClr val="000000"/>
-                </a:solidFill>
-                <a:miter lim="800000"/>
-                <a:headEnd/>
-                <a:tailEnd/>
-              </a14:hiddenLine>
-            </a:ext>
-          </a:extLst>
         </p:spPr>
         <p:txBody>
           <a:bodyPr/>
           <a:lstStyle/>
           <a:p>
-            <a:pPr marL="0" marR="0" indent="0" algn="l" defTabSz="1020763" rtl="0" eaLnBrk="0" fontAlgn="base" latinLnBrk="0" hangingPunct="0">
-              <a:lnSpc>
-                <a:spcPct val="90000"/>
-              </a:lnSpc>
-              <a:spcBef>
-                <a:spcPct val="50000"/>
-              </a:spcBef>
-              <a:spcAft>
-                <a:spcPct val="0"/>
-              </a:spcAft>
-              <a:buClrTx/>
-              <a:buSzPct val="100000"/>
+            <a:pPr>
               <a:buFontTx/>
               <a:buNone/>
-              <a:tabLst/>
-              <a:defRPr/>
             </a:pPr>
             <a:r>
-              <a:rPr lang="es-ES"/>
-              <a:t>2.1.2.3 Ruta estática predeterminada</a:t>
-            </a:r>
-          </a:p>
-          <a:p>
-            <a:pPr marL="0" indent="0">
+              <a:rPr lang="es-ES" b="0" dirty="0"/>
+              <a:t>Cisco Networking Academy Program</a:t>
+            </a:r>
+          </a:p>
+          <a:p>
+            <a:pPr>
+              <a:buFontTx/>
               <a:buNone/>
             </a:pPr>
-            <a:endParaRPr lang="es-ES" dirty="0"/>
+            <a:r>
+              <a:rPr lang="es-ES" b="0" dirty="0"/>
+              <a:t>Routing and Switching Essentials v6.0</a:t>
+            </a:r>
+          </a:p>
+          <a:p>
+            <a:pPr>
+              <a:buFontTx/>
+              <a:buNone/>
+            </a:pPr>
+            <a:r>
+              <a:rPr lang="es-ES" sz="1200" b="0" dirty="0"/>
+              <a:t>Capítulo 2: Routing estático</a:t>
+            </a:r>
+            <a:endParaRPr lang="es-ES" b="0" dirty="0"/>
           </a:p>
         </p:txBody>
       </p:sp>
     </p:spTree>
     <p:extLst>
       <p:ext uri="{BB962C8B-B14F-4D97-AF65-F5344CB8AC3E}">
-        <p14:creationId xmlns:p14="http://schemas.microsoft.com/office/powerpoint/2010/main" val="1810336130"/>
+        <p14:creationId xmlns:p14="http://schemas.microsoft.com/office/powerpoint/2010/main" val="2196270546"/>
       </p:ext>
     </p:extLst>
   </p:cSld>
@@ -3726,7 +3591,7 @@
       </p:grpSpPr>
       <p:sp>
         <p:nvSpPr>
-          <p:cNvPr id="31746" name="Rectangle 11"/>
+          <p:cNvPr id="22529" name="Rectangle 11"/>
           <p:cNvSpPr>
             <a:spLocks noGrp="1" noChangeArrowheads="1"/>
           </p:cNvSpPr>
@@ -3736,23 +3601,162 @@
         </p:nvSpPr>
         <p:spPr>
           <a:noFill/>
+          <a:ln/>
+          <a:extLst>
+            <a:ext uri="{909E8E84-426E-40DD-AFC4-6F175D3DCCD1}">
+              <a14:hiddenFill xmlns:a14="http://schemas.microsoft.com/office/drawing/2010/main">
+                <a:solidFill>
+                  <a:srgbClr val="FFFFFF"/>
+                </a:solidFill>
+              </a14:hiddenFill>
+            </a:ext>
+            <a:ext uri="{91240B29-F687-4F45-9708-019B960494DF}">
+              <a14:hiddenLine xmlns:a14="http://schemas.microsoft.com/office/drawing/2010/main" w="9525">
+                <a:solidFill>
+                  <a:srgbClr val="000000"/>
+                </a:solidFill>
+                <a:miter lim="800000"/>
+                <a:headEnd/>
+                <a:tailEnd/>
+              </a14:hiddenLine>
+            </a:ext>
+          </a:extLst>
         </p:spPr>
         <p:txBody>
           <a:bodyPr/>
-          <a:lstStyle/>
-          <a:p>
-            <a:fld id="{F602A389-8690-465F-BB28-DC61C90E42E7}" type="slidenum">
-              <a:rPr lang="en-US" smtClean="0"/>
+          <a:lstStyle>
+            <a:lvl1pPr defTabSz="903288">
+              <a:defRPr sz="2400">
+                <a:solidFill>
+                  <a:schemeClr val="tx1"/>
+                </a:solidFill>
+                <a:latin typeface="Arial" charset="0"/>
+                <a:ea typeface="ＭＳ Ｐゴシック" charset="0"/>
+                <a:cs typeface="ＭＳ Ｐゴシック" charset="0"/>
+              </a:defRPr>
+            </a:lvl1pPr>
+            <a:lvl2pPr marL="742950" indent="-285750" defTabSz="903288">
+              <a:defRPr sz="2400">
+                <a:solidFill>
+                  <a:schemeClr val="tx1"/>
+                </a:solidFill>
+                <a:latin typeface="Arial" charset="0"/>
+                <a:ea typeface="ＭＳ Ｐゴシック" charset="0"/>
+              </a:defRPr>
+            </a:lvl2pPr>
+            <a:lvl3pPr marL="1143000" indent="-228600" defTabSz="903288">
+              <a:defRPr sz="2400">
+                <a:solidFill>
+                  <a:schemeClr val="tx1"/>
+                </a:solidFill>
+                <a:latin typeface="Arial" charset="0"/>
+                <a:ea typeface="ＭＳ Ｐゴシック" charset="0"/>
+              </a:defRPr>
+            </a:lvl3pPr>
+            <a:lvl4pPr marL="1600200" indent="-228600" defTabSz="903288">
+              <a:defRPr sz="2400">
+                <a:solidFill>
+                  <a:schemeClr val="tx1"/>
+                </a:solidFill>
+                <a:latin typeface="Arial" charset="0"/>
+                <a:ea typeface="ＭＳ Ｐゴシック" charset="0"/>
+              </a:defRPr>
+            </a:lvl4pPr>
+            <a:lvl5pPr marL="2057400" indent="-228600" defTabSz="903288">
+              <a:defRPr sz="2400">
+                <a:solidFill>
+                  <a:schemeClr val="tx1"/>
+                </a:solidFill>
+                <a:latin typeface="Arial" charset="0"/>
+                <a:ea typeface="ＭＳ Ｐゴシック" charset="0"/>
+              </a:defRPr>
+            </a:lvl5pPr>
+            <a:lvl6pPr marL="2514600" indent="-228600" algn="ctr" defTabSz="903288" eaLnBrk="0" fontAlgn="base" hangingPunct="0">
+              <a:lnSpc>
+                <a:spcPct val="90000"/>
+              </a:lnSpc>
+              <a:spcBef>
+                <a:spcPct val="0"/>
+              </a:spcBef>
+              <a:spcAft>
+                <a:spcPct val="0"/>
+              </a:spcAft>
+              <a:defRPr sz="2400">
+                <a:solidFill>
+                  <a:schemeClr val="tx1"/>
+                </a:solidFill>
+                <a:latin typeface="Arial" charset="0"/>
+                <a:ea typeface="ＭＳ Ｐゴシック" charset="0"/>
+              </a:defRPr>
+            </a:lvl6pPr>
+            <a:lvl7pPr marL="2971800" indent="-228600" algn="ctr" defTabSz="903288" eaLnBrk="0" fontAlgn="base" hangingPunct="0">
+              <a:lnSpc>
+                <a:spcPct val="90000"/>
+              </a:lnSpc>
+              <a:spcBef>
+                <a:spcPct val="0"/>
+              </a:spcBef>
+              <a:spcAft>
+                <a:spcPct val="0"/>
+              </a:spcAft>
+              <a:defRPr sz="2400">
+                <a:solidFill>
+                  <a:schemeClr val="tx1"/>
+                </a:solidFill>
+                <a:latin typeface="Arial" charset="0"/>
+                <a:ea typeface="ＭＳ Ｐゴシック" charset="0"/>
+              </a:defRPr>
+            </a:lvl7pPr>
+            <a:lvl8pPr marL="3429000" indent="-228600" algn="ctr" defTabSz="903288" eaLnBrk="0" fontAlgn="base" hangingPunct="0">
+              <a:lnSpc>
+                <a:spcPct val="90000"/>
+              </a:lnSpc>
+              <a:spcBef>
+                <a:spcPct val="0"/>
+              </a:spcBef>
+              <a:spcAft>
+                <a:spcPct val="0"/>
+              </a:spcAft>
+              <a:defRPr sz="2400">
+                <a:solidFill>
+                  <a:schemeClr val="tx1"/>
+                </a:solidFill>
+                <a:latin typeface="Arial" charset="0"/>
+                <a:ea typeface="ＭＳ Ｐゴシック" charset="0"/>
+              </a:defRPr>
+            </a:lvl8pPr>
+            <a:lvl9pPr marL="3886200" indent="-228600" algn="ctr" defTabSz="903288" eaLnBrk="0" fontAlgn="base" hangingPunct="0">
+              <a:lnSpc>
+                <a:spcPct val="90000"/>
+              </a:lnSpc>
+              <a:spcBef>
+                <a:spcPct val="0"/>
+              </a:spcBef>
+              <a:spcAft>
+                <a:spcPct val="0"/>
+              </a:spcAft>
+              <a:defRPr sz="2400">
+                <a:solidFill>
+                  <a:schemeClr val="tx1"/>
+                </a:solidFill>
+                <a:latin typeface="Arial" charset="0"/>
+                <a:ea typeface="ＭＳ Ｐゴシック" charset="0"/>
+              </a:defRPr>
+            </a:lvl9pPr>
+          </a:lstStyle>
+          <a:p>
+            <a:fld id="{3997A419-355F-A04A-96E0-21643AF8E9FF}" type="slidenum">
+              <a:rPr lang="en-US" sz="800"/>
               <a:pPr/>
               <a:t>5</a:t>
             </a:fld>
-            <a:endParaRPr lang="es-ES" dirty="0"/>
+            <a:endParaRPr lang="es-ES" sz="800"/>
           </a:p>
         </p:txBody>
       </p:sp>
       <p:sp>
         <p:nvSpPr>
-          <p:cNvPr id="31747" name="Rectangle 2"/>
+          <p:cNvPr id="22530" name="Rectangle 2"/>
           <p:cNvSpPr>
             <a:spLocks noGrp="1" noRot="1" noChangeAspect="1" noChangeArrowheads="1" noTextEdit="1"/>
           </p:cNvSpPr>
@@ -3766,7 +3770,7 @@
       </p:sp>
       <p:sp>
         <p:nvSpPr>
-          <p:cNvPr id="31748" name="Rectangle 3"/>
+          <p:cNvPr id="22531" name="Rectangle 3"/>
           <p:cNvSpPr>
             <a:spLocks noGrp="1" noChangeArrowheads="1"/>
           </p:cNvSpPr>
@@ -3775,53 +3779,66 @@
           </p:nvPr>
         </p:nvSpPr>
         <p:spPr>
-          <a:xfrm>
-            <a:off x="404813" y="4378325"/>
-            <a:ext cx="6121400" cy="4252913"/>
-          </a:xfrm>
           <a:noFill/>
           <a:ln/>
+          <a:extLst>
+            <a:ext uri="{909E8E84-426E-40DD-AFC4-6F175D3DCCD1}">
+              <a14:hiddenFill xmlns:a14="http://schemas.microsoft.com/office/drawing/2010/main">
+                <a:solidFill>
+                  <a:srgbClr val="FFFFFF"/>
+                </a:solidFill>
+              </a14:hiddenFill>
+            </a:ext>
+            <a:ext uri="{91240B29-F687-4F45-9708-019B960494DF}">
+              <a14:hiddenLine xmlns:a14="http://schemas.microsoft.com/office/drawing/2010/main" w="9525">
+                <a:solidFill>
+                  <a:srgbClr val="000000"/>
+                </a:solidFill>
+                <a:miter lim="800000"/>
+                <a:headEnd/>
+                <a:tailEnd/>
+              </a14:hiddenLine>
+            </a:ext>
+          </a:extLst>
         </p:spPr>
         <p:txBody>
           <a:bodyPr/>
           <a:lstStyle/>
           <a:p>
-            <a:pPr>
-              <a:buFontTx/>
+            <a:pPr marL="0" indent="0">
               <a:buNone/>
             </a:pPr>
             <a:r>
-              <a:rPr lang="es-ES" b="0" dirty="0"/>
-              <a:t>Cisco Networking Academy Program</a:t>
-            </a:r>
-          </a:p>
-          <a:p>
-            <a:pPr>
-              <a:buFontTx/>
+              <a:rPr lang="es-ES" b="0" dirty="0">
+                <a:latin typeface="Arial" charset="0"/>
+              </a:rPr>
+              <a:t>2.2 Configurar rutas estáticas y predeterminadas</a:t>
+            </a:r>
+          </a:p>
+          <a:p>
+            <a:pPr marL="0" indent="0">
               <a:buNone/>
             </a:pPr>
             <a:r>
-              <a:rPr lang="es-ES" b="0" dirty="0"/>
-              <a:t>Routing and Switching Essentials v6.0</a:t>
-            </a:r>
-          </a:p>
-          <a:p>
-            <a:pPr>
-              <a:buFontTx/>
+              <a:rPr lang="es-ES" b="0" baseline="0" dirty="0">
+                <a:latin typeface="Arial" charset="0"/>
+              </a:rPr>
+              <a:t>2.2.1.1 Comando ip route</a:t>
+            </a:r>
+            <a:endParaRPr lang="es-ES" b="0" dirty="0"/>
+          </a:p>
+          <a:p>
+            <a:pPr marL="0" indent="0">
               <a:buNone/>
             </a:pPr>
-            <a:r>
-              <a:rPr lang="es-ES" sz="1200" b="0" dirty="0"/>
-              <a:t>Capítulo 2: Routing estático</a:t>
-            </a:r>
-            <a:endParaRPr lang="es-ES" b="0" dirty="0"/>
+            <a:endParaRPr lang="es-ES" dirty="0"/>
           </a:p>
         </p:txBody>
       </p:sp>
     </p:spTree>
     <p:extLst>
       <p:ext uri="{BB962C8B-B14F-4D97-AF65-F5344CB8AC3E}">
-        <p14:creationId xmlns:p14="http://schemas.microsoft.com/office/powerpoint/2010/main" val="2196270546"/>
+        <p14:creationId xmlns:p14="http://schemas.microsoft.com/office/powerpoint/2010/main" val="3344426893"/>
       </p:ext>
     </p:extLst>
   </p:cSld>
@@ -4064,27 +4081,10 @@
           <a:bodyPr/>
           <a:lstStyle/>
           <a:p>
-            <a:pPr marL="0" indent="0">
-              <a:buNone/>
-            </a:pPr>
-            <a:r>
-              <a:rPr lang="es-ES" b="0" dirty="0">
-                <a:latin typeface="Arial" charset="0"/>
-              </a:rPr>
-              <a:t>2.2 Configurar rutas estáticas y predeterminadas</a:t>
-            </a:r>
-          </a:p>
-          <a:p>
-            <a:pPr marL="0" indent="0">
-              <a:buNone/>
-            </a:pPr>
-            <a:r>
-              <a:rPr lang="es-ES" b="0" baseline="0" dirty="0">
-                <a:latin typeface="Arial" charset="0"/>
-              </a:rPr>
-              <a:t>2.2.1.1 Comando ip route</a:t>
-            </a:r>
-            <a:endParaRPr lang="es-ES" b="0" dirty="0"/>
+            <a:r>
+              <a:rPr lang="es-ES"/>
+              <a:t>2.2.1.2 Opciones de siguiente salto</a:t>
+            </a:r>
           </a:p>
           <a:p>
             <a:pPr marL="0" indent="0">
@@ -4097,7 +4097,7 @@
     </p:spTree>
     <p:extLst>
       <p:ext uri="{BB962C8B-B14F-4D97-AF65-F5344CB8AC3E}">
-        <p14:creationId xmlns:p14="http://schemas.microsoft.com/office/powerpoint/2010/main" val="3344426893"/>
+        <p14:creationId xmlns:p14="http://schemas.microsoft.com/office/powerpoint/2010/main" val="2319621466"/>
       </p:ext>
     </p:extLst>
   </p:cSld>
@@ -4342,7 +4342,7 @@
           <a:p>
             <a:r>
               <a:rPr lang="es-ES"/>
-              <a:t>2.2.1.2 Opciones de siguiente salto</a:t>
+              <a:t>2.2.1.3 Configurar una ruta estática de siguiente salto</a:t>
             </a:r>
           </a:p>
           <a:p>
@@ -4356,7 +4356,7 @@
     </p:spTree>
     <p:extLst>
       <p:ext uri="{BB962C8B-B14F-4D97-AF65-F5344CB8AC3E}">
-        <p14:creationId xmlns:p14="http://schemas.microsoft.com/office/powerpoint/2010/main" val="2319621466"/>
+        <p14:creationId xmlns:p14="http://schemas.microsoft.com/office/powerpoint/2010/main" val="1329458452"/>
       </p:ext>
     </p:extLst>
   </p:cSld>
@@ -4385,7 +4385,7 @@
       </p:grpSpPr>
       <p:sp>
         <p:nvSpPr>
-          <p:cNvPr id="22529" name="Rectangle 11"/>
+          <p:cNvPr id="87042" name="Rectangle 11"/>
           <p:cNvSpPr>
             <a:spLocks noGrp="1" noChangeArrowheads="1"/>
           </p:cNvSpPr>
@@ -4395,162 +4395,23 @@
         </p:nvSpPr>
         <p:spPr>
           <a:noFill/>
-          <a:ln/>
-          <a:extLst>
-            <a:ext uri="{909E8E84-426E-40DD-AFC4-6F175D3DCCD1}">
-              <a14:hiddenFill xmlns:a14="http://schemas.microsoft.com/office/drawing/2010/main">
-                <a:solidFill>
-                  <a:srgbClr val="FFFFFF"/>
-                </a:solidFill>
-              </a14:hiddenFill>
-            </a:ext>
-            <a:ext uri="{91240B29-F687-4F45-9708-019B960494DF}">
-              <a14:hiddenLine xmlns:a14="http://schemas.microsoft.com/office/drawing/2010/main" w="9525">
-                <a:solidFill>
-                  <a:srgbClr val="000000"/>
-                </a:solidFill>
-                <a:miter lim="800000"/>
-                <a:headEnd/>
-                <a:tailEnd/>
-              </a14:hiddenLine>
-            </a:ext>
-          </a:extLst>
         </p:spPr>
         <p:txBody>
           <a:bodyPr/>
-          <a:lstStyle>
-            <a:lvl1pPr defTabSz="903288">
-              <a:defRPr sz="2400">
-                <a:solidFill>
-                  <a:schemeClr val="tx1"/>
-                </a:solidFill>
-                <a:latin typeface="Arial" charset="0"/>
-                <a:ea typeface="ＭＳ Ｐゴシック" charset="0"/>
-                <a:cs typeface="ＭＳ Ｐゴシック" charset="0"/>
-              </a:defRPr>
-            </a:lvl1pPr>
-            <a:lvl2pPr marL="742950" indent="-285750" defTabSz="903288">
-              <a:defRPr sz="2400">
-                <a:solidFill>
-                  <a:schemeClr val="tx1"/>
-                </a:solidFill>
-                <a:latin typeface="Arial" charset="0"/>
-                <a:ea typeface="ＭＳ Ｐゴシック" charset="0"/>
-              </a:defRPr>
-            </a:lvl2pPr>
-            <a:lvl3pPr marL="1143000" indent="-228600" defTabSz="903288">
-              <a:defRPr sz="2400">
-                <a:solidFill>
-                  <a:schemeClr val="tx1"/>
-                </a:solidFill>
-                <a:latin typeface="Arial" charset="0"/>
-                <a:ea typeface="ＭＳ Ｐゴシック" charset="0"/>
-              </a:defRPr>
-            </a:lvl3pPr>
-            <a:lvl4pPr marL="1600200" indent="-228600" defTabSz="903288">
-              <a:defRPr sz="2400">
-                <a:solidFill>
-                  <a:schemeClr val="tx1"/>
-                </a:solidFill>
-                <a:latin typeface="Arial" charset="0"/>
-                <a:ea typeface="ＭＳ Ｐゴシック" charset="0"/>
-              </a:defRPr>
-            </a:lvl4pPr>
-            <a:lvl5pPr marL="2057400" indent="-228600" defTabSz="903288">
-              <a:defRPr sz="2400">
-                <a:solidFill>
-                  <a:schemeClr val="tx1"/>
-                </a:solidFill>
-                <a:latin typeface="Arial" charset="0"/>
-                <a:ea typeface="ＭＳ Ｐゴシック" charset="0"/>
-              </a:defRPr>
-            </a:lvl5pPr>
-            <a:lvl6pPr marL="2514600" indent="-228600" algn="ctr" defTabSz="903288" eaLnBrk="0" fontAlgn="base" hangingPunct="0">
-              <a:lnSpc>
-                <a:spcPct val="90000"/>
-              </a:lnSpc>
-              <a:spcBef>
-                <a:spcPct val="0"/>
-              </a:spcBef>
-              <a:spcAft>
-                <a:spcPct val="0"/>
-              </a:spcAft>
-              <a:defRPr sz="2400">
-                <a:solidFill>
-                  <a:schemeClr val="tx1"/>
-                </a:solidFill>
-                <a:latin typeface="Arial" charset="0"/>
-                <a:ea typeface="ＭＳ Ｐゴシック" charset="0"/>
-              </a:defRPr>
-            </a:lvl6pPr>
-            <a:lvl7pPr marL="2971800" indent="-228600" algn="ctr" defTabSz="903288" eaLnBrk="0" fontAlgn="base" hangingPunct="0">
-              <a:lnSpc>
-                <a:spcPct val="90000"/>
-              </a:lnSpc>
-              <a:spcBef>
-                <a:spcPct val="0"/>
-              </a:spcBef>
-              <a:spcAft>
-                <a:spcPct val="0"/>
-              </a:spcAft>
-              <a:defRPr sz="2400">
-                <a:solidFill>
-                  <a:schemeClr val="tx1"/>
-                </a:solidFill>
-                <a:latin typeface="Arial" charset="0"/>
-                <a:ea typeface="ＭＳ Ｐゴシック" charset="0"/>
-              </a:defRPr>
-            </a:lvl7pPr>
-            <a:lvl8pPr marL="3429000" indent="-228600" algn="ctr" defTabSz="903288" eaLnBrk="0" fontAlgn="base" hangingPunct="0">
-              <a:lnSpc>
-                <a:spcPct val="90000"/>
-              </a:lnSpc>
-              <a:spcBef>
-                <a:spcPct val="0"/>
-              </a:spcBef>
-              <a:spcAft>
-                <a:spcPct val="0"/>
-              </a:spcAft>
-              <a:defRPr sz="2400">
-                <a:solidFill>
-                  <a:schemeClr val="tx1"/>
-                </a:solidFill>
-                <a:latin typeface="Arial" charset="0"/>
-                <a:ea typeface="ＭＳ Ｐゴシック" charset="0"/>
-              </a:defRPr>
-            </a:lvl8pPr>
-            <a:lvl9pPr marL="3886200" indent="-228600" algn="ctr" defTabSz="903288" eaLnBrk="0" fontAlgn="base" hangingPunct="0">
-              <a:lnSpc>
-                <a:spcPct val="90000"/>
-              </a:lnSpc>
-              <a:spcBef>
-                <a:spcPct val="0"/>
-              </a:spcBef>
-              <a:spcAft>
-                <a:spcPct val="0"/>
-              </a:spcAft>
-              <a:defRPr sz="2400">
-                <a:solidFill>
-                  <a:schemeClr val="tx1"/>
-                </a:solidFill>
-                <a:latin typeface="Arial" charset="0"/>
-                <a:ea typeface="ＭＳ Ｐゴシック" charset="0"/>
-              </a:defRPr>
-            </a:lvl9pPr>
-          </a:lstStyle>
-          <a:p>
-            <a:fld id="{3997A419-355F-A04A-96E0-21643AF8E9FF}" type="slidenum">
-              <a:rPr lang="en-US" sz="800"/>
+          <a:lstStyle/>
+          <a:p>
+            <a:fld id="{570978E6-FB79-4E74-A4A4-2BA13DA27C44}" type="slidenum">
+              <a:rPr lang="en-US" smtClean="0"/>
               <a:pPr/>
               <a:t>8</a:t>
             </a:fld>
-            <a:endParaRPr lang="es-ES" sz="800"/>
+            <a:endParaRPr lang="es-ES"/>
           </a:p>
         </p:txBody>
       </p:sp>
       <p:sp>
         <p:nvSpPr>
-          <p:cNvPr id="22530" name="Rectangle 2"/>
+          <p:cNvPr id="87043" name="Rectangle 2"/>
           <p:cNvSpPr>
             <a:spLocks noGrp="1" noRot="1" noChangeAspect="1" noChangeArrowheads="1" noTextEdit="1"/>
           </p:cNvSpPr>
@@ -4564,7 +4425,7 @@
       </p:sp>
       <p:sp>
         <p:nvSpPr>
-          <p:cNvPr id="22531" name="Rectangle 3"/>
+          <p:cNvPr id="87044" name="Rectangle 3"/>
           <p:cNvSpPr>
             <a:spLocks noGrp="1" noChangeArrowheads="1"/>
           </p:cNvSpPr>
@@ -4575,47 +4436,31 @@
         <p:spPr>
           <a:noFill/>
           <a:ln/>
-          <a:extLst>
-            <a:ext uri="{909E8E84-426E-40DD-AFC4-6F175D3DCCD1}">
-              <a14:hiddenFill xmlns:a14="http://schemas.microsoft.com/office/drawing/2010/main">
-                <a:solidFill>
-                  <a:srgbClr val="FFFFFF"/>
-                </a:solidFill>
-              </a14:hiddenFill>
-            </a:ext>
-            <a:ext uri="{91240B29-F687-4F45-9708-019B960494DF}">
-              <a14:hiddenLine xmlns:a14="http://schemas.microsoft.com/office/drawing/2010/main" w="9525">
-                <a:solidFill>
-                  <a:srgbClr val="000000"/>
-                </a:solidFill>
-                <a:miter lim="800000"/>
-                <a:headEnd/>
-                <a:tailEnd/>
-              </a14:hiddenLine>
-            </a:ext>
-          </a:extLst>
         </p:spPr>
         <p:txBody>
           <a:bodyPr/>
           <a:lstStyle/>
           <a:p>
-            <a:r>
-              <a:rPr lang="es-ES"/>
-              <a:t>2.2.1.3 Configurar una ruta estática de siguiente salto</a:t>
-            </a:r>
-          </a:p>
-          <a:p>
-            <a:pPr marL="0" indent="0">
+            <a:pPr marL="0" indent="0" fontAlgn="base">
               <a:buNone/>
             </a:pPr>
-            <a:endParaRPr lang="es-ES" dirty="0"/>
+            <a:r>
+              <a:rPr lang="es-ES" sz="1200" b="0" i="0" kern="1200" dirty="0">
+                <a:solidFill>
+                  <a:schemeClr val="tx1"/>
+                </a:solidFill>
+                <a:effectLst/>
+                <a:latin typeface="Arial" charset="0"/>
+              </a:rPr>
+              <a:t>2.2.1.4 Configurar una ruta estática conectada directamente</a:t>
+            </a:r>
           </a:p>
         </p:txBody>
       </p:sp>
     </p:spTree>
     <p:extLst>
       <p:ext uri="{BB962C8B-B14F-4D97-AF65-F5344CB8AC3E}">
-        <p14:creationId xmlns:p14="http://schemas.microsoft.com/office/powerpoint/2010/main" val="1329458452"/>
+        <p14:creationId xmlns:p14="http://schemas.microsoft.com/office/powerpoint/2010/main" val="1415311648"/>
       </p:ext>
     </p:extLst>
   </p:cSld>
@@ -4644,7 +4489,7 @@
       </p:grpSpPr>
       <p:sp>
         <p:nvSpPr>
-          <p:cNvPr id="87042" name="Rectangle 11"/>
+          <p:cNvPr id="22529" name="Rectangle 11"/>
           <p:cNvSpPr>
             <a:spLocks noGrp="1" noChangeArrowheads="1"/>
           </p:cNvSpPr>
@@ -4654,23 +4499,162 @@
         </p:nvSpPr>
         <p:spPr>
           <a:noFill/>
+          <a:ln/>
+          <a:extLst>
+            <a:ext uri="{909E8E84-426E-40DD-AFC4-6F175D3DCCD1}">
+              <a14:hiddenFill xmlns:a14="http://schemas.microsoft.com/office/drawing/2010/main">
+                <a:solidFill>
+                  <a:srgbClr val="FFFFFF"/>
+                </a:solidFill>
+              </a14:hiddenFill>
+            </a:ext>
+            <a:ext uri="{91240B29-F687-4F45-9708-019B960494DF}">
+              <a14:hiddenLine xmlns:a14="http://schemas.microsoft.com/office/drawing/2010/main" w="9525">
+                <a:solidFill>
+                  <a:srgbClr val="000000"/>
+                </a:solidFill>
+                <a:miter lim="800000"/>
+                <a:headEnd/>
+                <a:tailEnd/>
+              </a14:hiddenLine>
+            </a:ext>
+          </a:extLst>
         </p:spPr>
         <p:txBody>
           <a:bodyPr/>
-          <a:lstStyle/>
-          <a:p>
-            <a:fld id="{570978E6-FB79-4E74-A4A4-2BA13DA27C44}" type="slidenum">
-              <a:rPr lang="en-US" smtClean="0"/>
+          <a:lstStyle>
+            <a:lvl1pPr defTabSz="903288">
+              <a:defRPr sz="2400">
+                <a:solidFill>
+                  <a:schemeClr val="tx1"/>
+                </a:solidFill>
+                <a:latin typeface="Arial" charset="0"/>
+                <a:ea typeface="ＭＳ Ｐゴシック" charset="0"/>
+                <a:cs typeface="ＭＳ Ｐゴシック" charset="0"/>
+              </a:defRPr>
+            </a:lvl1pPr>
+            <a:lvl2pPr marL="742950" indent="-285750" defTabSz="903288">
+              <a:defRPr sz="2400">
+                <a:solidFill>
+                  <a:schemeClr val="tx1"/>
+                </a:solidFill>
+                <a:latin typeface="Arial" charset="0"/>
+                <a:ea typeface="ＭＳ Ｐゴシック" charset="0"/>
+              </a:defRPr>
+            </a:lvl2pPr>
+            <a:lvl3pPr marL="1143000" indent="-228600" defTabSz="903288">
+              <a:defRPr sz="2400">
+                <a:solidFill>
+                  <a:schemeClr val="tx1"/>
+                </a:solidFill>
+                <a:latin typeface="Arial" charset="0"/>
+                <a:ea typeface="ＭＳ Ｐゴシック" charset="0"/>
+              </a:defRPr>
+            </a:lvl3pPr>
+            <a:lvl4pPr marL="1600200" indent="-228600" defTabSz="903288">
+              <a:defRPr sz="2400">
+                <a:solidFill>
+                  <a:schemeClr val="tx1"/>
+                </a:solidFill>
+                <a:latin typeface="Arial" charset="0"/>
+                <a:ea typeface="ＭＳ Ｐゴシック" charset="0"/>
+              </a:defRPr>
+            </a:lvl4pPr>
+            <a:lvl5pPr marL="2057400" indent="-228600" defTabSz="903288">
+              <a:defRPr sz="2400">
+                <a:solidFill>
+                  <a:schemeClr val="tx1"/>
+                </a:solidFill>
+                <a:latin typeface="Arial" charset="0"/>
+                <a:ea typeface="ＭＳ Ｐゴシック" charset="0"/>
+              </a:defRPr>
+            </a:lvl5pPr>
+            <a:lvl6pPr marL="2514600" indent="-228600" algn="ctr" defTabSz="903288" eaLnBrk="0" fontAlgn="base" hangingPunct="0">
+              <a:lnSpc>
+                <a:spcPct val="90000"/>
+              </a:lnSpc>
+              <a:spcBef>
+                <a:spcPct val="0"/>
+              </a:spcBef>
+              <a:spcAft>
+                <a:spcPct val="0"/>
+              </a:spcAft>
+              <a:defRPr sz="2400">
+                <a:solidFill>
+                  <a:schemeClr val="tx1"/>
+                </a:solidFill>
+                <a:latin typeface="Arial" charset="0"/>
+                <a:ea typeface="ＭＳ Ｐゴシック" charset="0"/>
+              </a:defRPr>
+            </a:lvl6pPr>
+            <a:lvl7pPr marL="2971800" indent="-228600" algn="ctr" defTabSz="903288" eaLnBrk="0" fontAlgn="base" hangingPunct="0">
+              <a:lnSpc>
+                <a:spcPct val="90000"/>
+              </a:lnSpc>
+              <a:spcBef>
+                <a:spcPct val="0"/>
+              </a:spcBef>
+              <a:spcAft>
+                <a:spcPct val="0"/>
+              </a:spcAft>
+              <a:defRPr sz="2400">
+                <a:solidFill>
+                  <a:schemeClr val="tx1"/>
+                </a:solidFill>
+                <a:latin typeface="Arial" charset="0"/>
+                <a:ea typeface="ＭＳ Ｐゴシック" charset="0"/>
+              </a:defRPr>
+            </a:lvl7pPr>
+            <a:lvl8pPr marL="3429000" indent="-228600" algn="ctr" defTabSz="903288" eaLnBrk="0" fontAlgn="base" hangingPunct="0">
+              <a:lnSpc>
+                <a:spcPct val="90000"/>
+              </a:lnSpc>
+              <a:spcBef>
+                <a:spcPct val="0"/>
+              </a:spcBef>
+              <a:spcAft>
+                <a:spcPct val="0"/>
+              </a:spcAft>
+              <a:defRPr sz="2400">
+                <a:solidFill>
+                  <a:schemeClr val="tx1"/>
+                </a:solidFill>
+                <a:latin typeface="Arial" charset="0"/>
+                <a:ea typeface="ＭＳ Ｐゴシック" charset="0"/>
+              </a:defRPr>
+            </a:lvl8pPr>
+            <a:lvl9pPr marL="3886200" indent="-228600" algn="ctr" defTabSz="903288" eaLnBrk="0" fontAlgn="base" hangingPunct="0">
+              <a:lnSpc>
+                <a:spcPct val="90000"/>
+              </a:lnSpc>
+              <a:spcBef>
+                <a:spcPct val="0"/>
+              </a:spcBef>
+              <a:spcAft>
+                <a:spcPct val="0"/>
+              </a:spcAft>
+              <a:defRPr sz="2400">
+                <a:solidFill>
+                  <a:schemeClr val="tx1"/>
+                </a:solidFill>
+                <a:latin typeface="Arial" charset="0"/>
+                <a:ea typeface="ＭＳ Ｐゴシック" charset="0"/>
+              </a:defRPr>
+            </a:lvl9pPr>
+          </a:lstStyle>
+          <a:p>
+            <a:fld id="{3997A419-355F-A04A-96E0-21643AF8E9FF}" type="slidenum">
+              <a:rPr lang="en-US" sz="800"/>
               <a:pPr/>
               <a:t>9</a:t>
             </a:fld>
-            <a:endParaRPr lang="es-ES"/>
+            <a:endParaRPr lang="es-ES" sz="800"/>
           </a:p>
         </p:txBody>
       </p:sp>
       <p:sp>
         <p:nvSpPr>
-          <p:cNvPr id="87043" name="Rectangle 2"/>
+          <p:cNvPr id="22530" name="Rectangle 2"/>
           <p:cNvSpPr>
             <a:spLocks noGrp="1" noRot="1" noChangeAspect="1" noChangeArrowheads="1" noTextEdit="1"/>
           </p:cNvSpPr>
@@ -4684,7 +4668,7 @@
       </p:sp>
       <p:sp>
         <p:nvSpPr>
-          <p:cNvPr id="87044" name="Rectangle 3"/>
+          <p:cNvPr id="22531" name="Rectangle 3"/>
           <p:cNvSpPr>
             <a:spLocks noGrp="1" noChangeArrowheads="1"/>
           </p:cNvSpPr>
@@ -4695,31 +4679,47 @@
         <p:spPr>
           <a:noFill/>
           <a:ln/>
+          <a:extLst>
+            <a:ext uri="{909E8E84-426E-40DD-AFC4-6F175D3DCCD1}">
+              <a14:hiddenFill xmlns:a14="http://schemas.microsoft.com/office/drawing/2010/main">
+                <a:solidFill>
+                  <a:srgbClr val="FFFFFF"/>
+                </a:solidFill>
+              </a14:hiddenFill>
+            </a:ext>
+            <a:ext uri="{91240B29-F687-4F45-9708-019B960494DF}">
+              <a14:hiddenLine xmlns:a14="http://schemas.microsoft.com/office/drawing/2010/main" w="9525">
+                <a:solidFill>
+                  <a:srgbClr val="000000"/>
+                </a:solidFill>
+                <a:miter lim="800000"/>
+                <a:headEnd/>
+                <a:tailEnd/>
+              </a14:hiddenLine>
+            </a:ext>
+          </a:extLst>
         </p:spPr>
         <p:txBody>
           <a:bodyPr/>
           <a:lstStyle/>
           <a:p>
-            <a:pPr marL="0" indent="0" fontAlgn="base">
+            <a:r>
+              <a:rPr lang="es-ES"/>
+              <a:t>2.2.1.5 Configurar una ruta estática totalmente especificada</a:t>
+            </a:r>
+          </a:p>
+          <a:p>
+            <a:pPr marL="0" indent="0">
               <a:buNone/>
             </a:pPr>
-            <a:r>
-              <a:rPr lang="es-ES" sz="1200" b="0" i="0" kern="1200" dirty="0">
-                <a:solidFill>
-                  <a:schemeClr val="tx1"/>
-                </a:solidFill>
-                <a:effectLst/>
-                <a:latin typeface="Arial" charset="0"/>
-              </a:rPr>
-              <a:t>2.2.1.4 Configurar una ruta estática conectada directamente</a:t>
-            </a:r>
+            <a:endParaRPr lang="es-ES" dirty="0"/>
           </a:p>
         </p:txBody>
       </p:sp>
     </p:spTree>
     <p:extLst>
       <p:ext uri="{BB962C8B-B14F-4D97-AF65-F5344CB8AC3E}">
-        <p14:creationId xmlns:p14="http://schemas.microsoft.com/office/powerpoint/2010/main" val="1415311648"/>
+        <p14:creationId xmlns:p14="http://schemas.microsoft.com/office/powerpoint/2010/main" val="631715439"/>
       </p:ext>
     </p:extLst>
   </p:cSld>
@@ -8979,7 +8979,7 @@
               </a14:hiddenLine>
             </a:ext>
             <a:ext uri="{FAA26D3D-D897-4be2-8F04-BA451C77F1D7}">
-              <ma14:placeholderFlag xmlns="" xmlns:o="urn:schemas-microsoft-com:office:office" xmlns:v="urn:schemas-microsoft-com:vml" xmlns:wp="http://schemas.openxmlformats.org/drawingml/2006/powerpointprocessingDrawing" xmlns:wne="http://schemas.microsoft.com/office/powerpoint/2006/powerpointml" xmlns:cdr="http://schemas.openxmlformats.org/drawingml/2006/chartDrawing" xmlns:dgm="http://schemas.openxmlformats.org/drawingml/2006/diagram" xmlns:c="http://schemas.openxmlformats.org/drawingml/2006/chart" xmlns:a14="http://schemas.microsoft.com/office/drawing/2010/main" xmlns:mc="http://schemas.openxmlformats.org/markup-compatibility/2006" xmlns:ma14="http://schemas.microsoft.com/office/mac/drawingml/2011/main" val="1"/>
+              <ma14:placeholderFlag xmlns:ma14="http://schemas.microsoft.com/office/mac/drawingml/2011/main" xmlns:mc="http://schemas.openxmlformats.org/markup-compatibility/2006" xmlns:a14="http://schemas.microsoft.com/office/drawing/2010/main" xmlns:c="http://schemas.openxmlformats.org/drawingml/2006/chart" xmlns:dgm="http://schemas.openxmlformats.org/drawingml/2006/diagram" xmlns:cdr="http://schemas.openxmlformats.org/drawingml/2006/chartDrawing" xmlns:wne="http://schemas.microsoft.com/office/powerpoint/2006/powerpointml" xmlns:wp="http://schemas.openxmlformats.org/drawingml/2006/powerpointprocessingDrawing" xmlns:v="urn:schemas-microsoft-com:vml" xmlns:o="urn:schemas-microsoft-com:office:office" xmlns="" val="1"/>
             </a:ext>
           </a:extLst>
         </p:spPr>
@@ -9189,7 +9189,7 @@
               </a14:hiddenLine>
             </a:ext>
             <a:ext uri="{FAA26D3D-D897-4be2-8F04-BA451C77F1D7}">
-              <ma14:placeholderFlag xmlns="" xmlns:o="urn:schemas-microsoft-com:office:office" xmlns:v="urn:schemas-microsoft-com:vml" xmlns:wp="http://schemas.openxmlformats.org/drawingml/2006/powerpointprocessingDrawing" xmlns:wne="http://schemas.microsoft.com/office/powerpoint/2006/powerpointml" xmlns:cdr="http://schemas.openxmlformats.org/drawingml/2006/chartDrawing" xmlns:dgm="http://schemas.openxmlformats.org/drawingml/2006/diagram" xmlns:c="http://schemas.openxmlformats.org/drawingml/2006/chart" xmlns:a14="http://schemas.microsoft.com/office/drawing/2010/main" xmlns:mc="http://schemas.openxmlformats.org/markup-compatibility/2006" xmlns:ma14="http://schemas.microsoft.com/office/mac/drawingml/2011/main" val="1"/>
+              <ma14:placeholderFlag xmlns:ma14="http://schemas.microsoft.com/office/mac/drawingml/2011/main" xmlns:mc="http://schemas.openxmlformats.org/markup-compatibility/2006" xmlns:a14="http://schemas.microsoft.com/office/drawing/2010/main" xmlns:c="http://schemas.openxmlformats.org/drawingml/2006/chart" xmlns:dgm="http://schemas.openxmlformats.org/drawingml/2006/diagram" xmlns:cdr="http://schemas.openxmlformats.org/drawingml/2006/chartDrawing" xmlns:wne="http://schemas.microsoft.com/office/powerpoint/2006/powerpointml" xmlns:wp="http://schemas.openxmlformats.org/drawingml/2006/powerpointprocessingDrawing" xmlns:v="urn:schemas-microsoft-com:vml" xmlns:o="urn:schemas-microsoft-com:office:office" xmlns="" val="1"/>
             </a:ext>
           </a:extLst>
         </p:spPr>
@@ -9953,7 +9953,7 @@
               </a14:hiddenLine>
             </a:ext>
             <a:ext uri="{FAA26D3D-D897-4be2-8F04-BA451C77F1D7}">
-              <ma14:placeholderFlag xmlns="" xmlns:o="urn:schemas-microsoft-com:office:office" xmlns:v="urn:schemas-microsoft-com:vml" xmlns:wp="http://schemas.openxmlformats.org/drawingml/2006/powerpointprocessingDrawing" xmlns:wne="http://schemas.microsoft.com/office/powerpoint/2006/powerpointml" xmlns:cdr="http://schemas.openxmlformats.org/drawingml/2006/chartDrawing" xmlns:dgm="http://schemas.openxmlformats.org/drawingml/2006/diagram" xmlns:c="http://schemas.openxmlformats.org/drawingml/2006/chart" xmlns:a14="http://schemas.microsoft.com/office/drawing/2010/main" xmlns:mc="http://schemas.openxmlformats.org/markup-compatibility/2006" xmlns:ma14="http://schemas.microsoft.com/office/mac/drawingml/2011/main" val="1"/>
+              <ma14:placeholderFlag xmlns:ma14="http://schemas.microsoft.com/office/mac/drawingml/2011/main" xmlns:mc="http://schemas.openxmlformats.org/markup-compatibility/2006" xmlns:a14="http://schemas.microsoft.com/office/drawing/2010/main" xmlns:c="http://schemas.openxmlformats.org/drawingml/2006/chart" xmlns:dgm="http://schemas.openxmlformats.org/drawingml/2006/diagram" xmlns:cdr="http://schemas.openxmlformats.org/drawingml/2006/chartDrawing" xmlns:wne="http://schemas.microsoft.com/office/powerpoint/2006/powerpointml" xmlns:wp="http://schemas.openxmlformats.org/drawingml/2006/powerpointprocessingDrawing" xmlns:v="urn:schemas-microsoft-com:vml" xmlns:o="urn:schemas-microsoft-com:office:office" xmlns="" val="1"/>
             </a:ext>
           </a:extLst>
         </p:spPr>
@@ -10153,7 +10153,7 @@
               </a14:hiddenLine>
             </a:ext>
             <a:ext uri="{FAA26D3D-D897-4be2-8F04-BA451C77F1D7}">
-              <ma14:placeholderFlag xmlns="" xmlns:o="urn:schemas-microsoft-com:office:office" xmlns:v="urn:schemas-microsoft-com:vml" xmlns:wp="http://schemas.openxmlformats.org/drawingml/2006/powerpointprocessingDrawing" xmlns:wne="http://schemas.microsoft.com/office/powerpoint/2006/powerpointml" xmlns:cdr="http://schemas.openxmlformats.org/drawingml/2006/chartDrawing" xmlns:dgm="http://schemas.openxmlformats.org/drawingml/2006/diagram" xmlns:c="http://schemas.openxmlformats.org/drawingml/2006/chart" xmlns:a14="http://schemas.microsoft.com/office/drawing/2010/main" xmlns:mc="http://schemas.openxmlformats.org/markup-compatibility/2006" xmlns:ma14="http://schemas.microsoft.com/office/mac/drawingml/2011/main" val="1"/>
+              <ma14:placeholderFlag xmlns:ma14="http://schemas.microsoft.com/office/mac/drawingml/2011/main" xmlns:mc="http://schemas.openxmlformats.org/markup-compatibility/2006" xmlns:a14="http://schemas.microsoft.com/office/drawing/2010/main" xmlns:c="http://schemas.openxmlformats.org/drawingml/2006/chart" xmlns:dgm="http://schemas.openxmlformats.org/drawingml/2006/diagram" xmlns:cdr="http://schemas.openxmlformats.org/drawingml/2006/chartDrawing" xmlns:wne="http://schemas.microsoft.com/office/powerpoint/2006/powerpointml" xmlns:wp="http://schemas.openxmlformats.org/drawingml/2006/powerpointprocessingDrawing" xmlns:v="urn:schemas-microsoft-com:vml" xmlns:o="urn:schemas-microsoft-com:office:office" xmlns="" val="1"/>
             </a:ext>
           </a:extLst>
         </p:spPr>
@@ -10943,56 +10943,113 @@
         </p:nvSpPr>
         <p:spPr>
           <a:xfrm>
-            <a:off x="185921" y="451542"/>
+            <a:off x="259182" y="173957"/>
             <a:ext cx="8772157" cy="838200"/>
           </a:xfrm>
         </p:spPr>
         <p:txBody>
-          <a:bodyPr anchor="t"/>
+          <a:bodyPr/>
           <a:lstStyle/>
           <a:p>
             <a:pPr algn="ctr"/>
             <a:r>
-              <a:rPr lang="es-ES" sz="2800" dirty="0"/>
-              <a:t>Configurar una ruta estática totalmente especificada (completamente conectada)</a:t>
+              <a:rPr lang="es-ES" dirty="0"/>
+              <a:t>Verificar una ruta estática</a:t>
             </a:r>
           </a:p>
         </p:txBody>
       </p:sp>
       <p:pic>
         <p:nvPicPr>
-          <p:cNvPr id="4" name="Imagen 3">
-            <a:extLst>
-              <a:ext uri="{FF2B5EF4-FFF2-40B4-BE49-F238E27FC236}">
-                <a16:creationId xmlns:a16="http://schemas.microsoft.com/office/drawing/2014/main" id="{2B215643-1F10-48B2-972E-B78984315417}"/>
-              </a:ext>
-            </a:extLst>
-          </p:cNvPr>
+          <p:cNvPr id="2" name="Picture 1" descr="Routing and Switching Essentials - Mozilla Firefox"/>
           <p:cNvPicPr>
             <a:picLocks noChangeAspect="1"/>
           </p:cNvPicPr>
           <p:nvPr/>
         </p:nvPicPr>
-        <p:blipFill>
-          <a:blip r:embed="rId3"/>
-          <a:stretch>
-            <a:fillRect/>
-          </a:stretch>
+        <p:blipFill rotWithShape="1">
+          <a:blip r:embed="rId3" cstate="email">
+            <a:extLst>
+              <a:ext uri="{28A0092B-C50C-407E-A947-70E740481C1C}">
+                <a14:useLocalDpi xmlns:a14="http://schemas.microsoft.com/office/drawing/2010/main"/>
+              </a:ext>
+            </a:extLst>
+          </a:blip>
+          <a:srcRect/>
+          <a:stretch/>
         </p:blipFill>
         <p:spPr>
           <a:xfrm>
-            <a:off x="476250" y="1461346"/>
-            <a:ext cx="8079757" cy="4945111"/>
+            <a:off x="1070203" y="1356019"/>
+            <a:ext cx="4301836" cy="3445541"/>
           </a:xfrm>
           <a:prstGeom prst="rect">
             <a:avLst/>
           </a:prstGeom>
         </p:spPr>
       </p:pic>
+      <p:pic>
+        <p:nvPicPr>
+          <p:cNvPr id="4" name="Picture 3" descr="Routing and Switching Essentials - Mozilla Firefox"/>
+          <p:cNvPicPr>
+            <a:picLocks noChangeAspect="1"/>
+          </p:cNvPicPr>
+          <p:nvPr/>
+        </p:nvPicPr>
+        <p:blipFill rotWithShape="1">
+          <a:blip r:embed="rId4" cstate="email">
+            <a:extLst>
+              <a:ext uri="{28A0092B-C50C-407E-A947-70E740481C1C}">
+                <a14:useLocalDpi xmlns:a14="http://schemas.microsoft.com/office/drawing/2010/main"/>
+              </a:ext>
+            </a:extLst>
+          </a:blip>
+          <a:srcRect/>
+          <a:stretch/>
+        </p:blipFill>
+        <p:spPr>
+          <a:xfrm>
+            <a:off x="1150946" y="4803285"/>
+            <a:ext cx="4387602" cy="1647451"/>
+          </a:xfrm>
+          <a:prstGeom prst="rect">
+            <a:avLst/>
+          </a:prstGeom>
+        </p:spPr>
+      </p:pic>
+      <p:pic>
+        <p:nvPicPr>
+          <p:cNvPr id="5" name="Picture 4" descr="Routing and Switching Essentials - Mozilla Firefox"/>
+          <p:cNvPicPr>
+            <a:picLocks noChangeAspect="1"/>
+          </p:cNvPicPr>
+          <p:nvPr/>
+        </p:nvPicPr>
+        <p:blipFill rotWithShape="1">
+          <a:blip r:embed="rId5" cstate="email">
+            <a:extLst>
+              <a:ext uri="{28A0092B-C50C-407E-A947-70E740481C1C}">
+                <a14:useLocalDpi xmlns:a14="http://schemas.microsoft.com/office/drawing/2010/main"/>
+              </a:ext>
+            </a:extLst>
+          </a:blip>
+          <a:srcRect/>
+          <a:stretch/>
+        </p:blipFill>
+        <p:spPr>
+          <a:xfrm>
+            <a:off x="5214873" y="4806735"/>
+            <a:ext cx="3702918" cy="1369147"/>
+          </a:xfrm>
+          <a:prstGeom prst="rect">
+            <a:avLst/>
+          </a:prstGeom>
+        </p:spPr>
+      </p:pic>
     </p:spTree>
     <p:extLst>
       <p:ext uri="{BB962C8B-B14F-4D97-AF65-F5344CB8AC3E}">
-        <p14:creationId xmlns:p14="http://schemas.microsoft.com/office/powerpoint/2010/main" val="2258191345"/>
+        <p14:creationId xmlns:p14="http://schemas.microsoft.com/office/powerpoint/2010/main" val="1769836096"/>
       </p:ext>
     </p:extLst>
   </p:cSld>
@@ -11032,115 +11089,269 @@
             <p:ph type="title"/>
           </p:nvPr>
         </p:nvSpPr>
-        <p:spPr>
-          <a:xfrm>
-            <a:off x="259182" y="173957"/>
-            <a:ext cx="8772157" cy="838200"/>
-          </a:xfrm>
-        </p:spPr>
+        <p:spPr/>
         <p:txBody>
           <a:bodyPr/>
           <a:lstStyle/>
           <a:p>
-            <a:pPr algn="ctr"/>
+            <a:r>
+              <a:rPr lang="es-ES" sz="1800" dirty="0"/>
+              <a:t>Tipos de rutas estáticas</a:t>
+            </a:r>
+            <a:br>
+              <a:rPr dirty="0"/>
+            </a:br>
             <a:r>
               <a:rPr lang="es-ES" dirty="0"/>
-              <a:t>Verificar una ruta estática</a:t>
+              <a:t>Ruta estática por default (predeterminada)</a:t>
             </a:r>
           </a:p>
         </p:txBody>
       </p:sp>
       <p:pic>
         <p:nvPicPr>
-          <p:cNvPr id="2" name="Picture 1" descr="Routing and Switching Essentials - Mozilla Firefox"/>
+          <p:cNvPr id="4" name="Content Placeholder 3"/>
           <p:cNvPicPr>
-            <a:picLocks noChangeAspect="1"/>
+            <a:picLocks noGrp="1" noChangeAspect="1"/>
           </p:cNvPicPr>
-          <p:nvPr/>
+          <p:nvPr>
+            <p:ph idx="1"/>
+          </p:nvPr>
         </p:nvPicPr>
-        <p:blipFill rotWithShape="1">
+        <p:blipFill>
           <a:blip r:embed="rId3" cstate="email">
             <a:extLst>
               <a:ext uri="{28A0092B-C50C-407E-A947-70E740481C1C}">
-                <a14:useLocalDpi xmlns:a14="http://schemas.microsoft.com/office/drawing/2010/main"/>
+                <a14:useLocalDpi xmlns:a14="http://schemas.microsoft.com/office/drawing/2010/main" val="0"/>
               </a:ext>
             </a:extLst>
           </a:blip>
-          <a:srcRect/>
-          <a:stretch/>
+          <a:stretch>
+            <a:fillRect/>
+          </a:stretch>
         </p:blipFill>
         <p:spPr>
           <a:xfrm>
-            <a:off x="1070203" y="1356019"/>
-            <a:ext cx="4301836" cy="3445541"/>
+            <a:off x="2162294" y="3016019"/>
+            <a:ext cx="5428610" cy="3752173"/>
+          </a:xfrm>
+        </p:spPr>
+      </p:pic>
+      <p:sp>
+        <p:nvSpPr>
+          <p:cNvPr id="5" name="Rectangle 4"/>
+          <p:cNvSpPr/>
+          <p:nvPr/>
+        </p:nvSpPr>
+        <p:spPr>
+          <a:xfrm>
+            <a:off x="277042" y="1423059"/>
+            <a:ext cx="8718102" cy="1948226"/>
           </a:xfrm>
           <a:prstGeom prst="rect">
             <a:avLst/>
           </a:prstGeom>
         </p:spPr>
-      </p:pic>
-      <p:pic>
-        <p:nvPicPr>
-          <p:cNvPr id="4" name="Picture 3" descr="Routing and Switching Essentials - Mozilla Firefox"/>
-          <p:cNvPicPr>
-            <a:picLocks noChangeAspect="1"/>
-          </p:cNvPicPr>
-          <p:nvPr/>
-        </p:nvPicPr>
-        <p:blipFill rotWithShape="1">
-          <a:blip r:embed="rId4" cstate="email">
-            <a:extLst>
-              <a:ext uri="{28A0092B-C50C-407E-A947-70E740481C1C}">
-                <a14:useLocalDpi xmlns:a14="http://schemas.microsoft.com/office/drawing/2010/main"/>
-              </a:ext>
-            </a:extLst>
-          </a:blip>
-          <a:srcRect/>
-          <a:stretch/>
-        </p:blipFill>
-        <p:spPr>
-          <a:xfrm>
-            <a:off x="1150946" y="4803285"/>
-            <a:ext cx="4387602" cy="1647451"/>
-          </a:xfrm>
-          <a:prstGeom prst="rect">
-            <a:avLst/>
-          </a:prstGeom>
-        </p:spPr>
-      </p:pic>
-      <p:pic>
-        <p:nvPicPr>
-          <p:cNvPr id="5" name="Picture 4" descr="Routing and Switching Essentials - Mozilla Firefox"/>
-          <p:cNvPicPr>
-            <a:picLocks noChangeAspect="1"/>
-          </p:cNvPicPr>
-          <p:nvPr/>
-        </p:nvPicPr>
-        <p:blipFill rotWithShape="1">
-          <a:blip r:embed="rId5" cstate="email">
-            <a:extLst>
-              <a:ext uri="{28A0092B-C50C-407E-A947-70E740481C1C}">
-                <a14:useLocalDpi xmlns:a14="http://schemas.microsoft.com/office/drawing/2010/main"/>
-              </a:ext>
-            </a:extLst>
-          </a:blip>
-          <a:srcRect/>
-          <a:stretch/>
-        </p:blipFill>
-        <p:spPr>
-          <a:xfrm>
-            <a:off x="5214873" y="4806735"/>
-            <a:ext cx="3702918" cy="1369147"/>
-          </a:xfrm>
-          <a:prstGeom prst="rect">
-            <a:avLst/>
-          </a:prstGeom>
-        </p:spPr>
-      </p:pic>
+        <p:txBody>
+          <a:bodyPr wrap="square">
+            <a:spAutoFit/>
+          </a:bodyPr>
+          <a:lstStyle/>
+          <a:p>
+            <a:pPr marL="236538" lvl="0" indent="-236538" algn="l" defTabSz="814388">
+              <a:lnSpc>
+                <a:spcPct val="95000"/>
+              </a:lnSpc>
+              <a:spcBef>
+                <a:spcPct val="50000"/>
+              </a:spcBef>
+              <a:buClr>
+                <a:srgbClr val="708CA1"/>
+              </a:buClr>
+              <a:buFont typeface="Wingdings" pitchFamily="2" charset="2"/>
+              <a:buChar char="§"/>
+            </a:pPr>
+            <a:r>
+              <a:rPr lang="es-ES" sz="1800" kern="0" dirty="0">
+                <a:solidFill>
+                  <a:srgbClr val="000000"/>
+                </a:solidFill>
+                <a:latin typeface="Arial"/>
+              </a:rPr>
+              <a:t>Una </a:t>
+            </a:r>
+            <a:r>
+              <a:rPr lang="es-ES" sz="1800" b="1" kern="0" dirty="0">
+                <a:solidFill>
+                  <a:srgbClr val="FF0000"/>
+                </a:solidFill>
+                <a:latin typeface="Arial"/>
+              </a:rPr>
+              <a:t>ruta estática por default</a:t>
+            </a:r>
+            <a:r>
+              <a:rPr lang="es-ES" sz="1800" kern="0" dirty="0">
+                <a:solidFill>
+                  <a:srgbClr val="FF0000"/>
+                </a:solidFill>
+                <a:latin typeface="Arial"/>
+              </a:rPr>
+              <a:t> </a:t>
+            </a:r>
+            <a:r>
+              <a:rPr lang="es-ES" sz="1800" kern="0" dirty="0">
+                <a:solidFill>
+                  <a:srgbClr val="000000"/>
+                </a:solidFill>
+                <a:latin typeface="Arial"/>
+              </a:rPr>
+              <a:t>es aquella que coincide con todos los paquetes. </a:t>
+            </a:r>
+          </a:p>
+          <a:p>
+            <a:pPr marL="236538" lvl="0" indent="-236538" algn="l" defTabSz="814388">
+              <a:lnSpc>
+                <a:spcPct val="95000"/>
+              </a:lnSpc>
+              <a:spcBef>
+                <a:spcPct val="50000"/>
+              </a:spcBef>
+              <a:buClr>
+                <a:srgbClr val="708CA1"/>
+              </a:buClr>
+              <a:buFont typeface="Wingdings" pitchFamily="2" charset="2"/>
+              <a:buChar char="§"/>
+            </a:pPr>
+            <a:r>
+              <a:rPr lang="es-ES" sz="1800" kern="0" dirty="0">
+                <a:solidFill>
+                  <a:srgbClr val="000000"/>
+                </a:solidFill>
+                <a:latin typeface="Arial"/>
+              </a:rPr>
+              <a:t>Una </a:t>
+            </a:r>
+            <a:r>
+              <a:rPr lang="es-ES" sz="1800" b="1" kern="0" dirty="0">
+                <a:solidFill>
+                  <a:srgbClr val="FF0000"/>
+                </a:solidFill>
+                <a:latin typeface="Arial"/>
+              </a:rPr>
+              <a:t>ruta estática por default</a:t>
+            </a:r>
+            <a:r>
+              <a:rPr lang="es-ES" sz="1800" kern="0" dirty="0">
+                <a:solidFill>
+                  <a:srgbClr val="FF0000"/>
+                </a:solidFill>
+                <a:latin typeface="Arial"/>
+              </a:rPr>
+              <a:t> </a:t>
+            </a:r>
+            <a:r>
+              <a:rPr lang="es-ES" sz="1800" kern="0" dirty="0">
+                <a:solidFill>
+                  <a:srgbClr val="000000"/>
+                </a:solidFill>
+                <a:latin typeface="Arial"/>
+              </a:rPr>
+              <a:t>identifica la dirección </a:t>
+            </a:r>
+            <a:r>
+              <a:rPr lang="es-ES" sz="1800" b="1" kern="0" dirty="0">
+                <a:solidFill>
+                  <a:srgbClr val="000000"/>
+                </a:solidFill>
+                <a:latin typeface="Arial"/>
+              </a:rPr>
+              <a:t>IP del gateway </a:t>
+            </a:r>
+            <a:r>
+              <a:rPr lang="es-ES" sz="1800" kern="0" dirty="0">
+                <a:solidFill>
+                  <a:srgbClr val="000000"/>
+                </a:solidFill>
+                <a:latin typeface="Arial"/>
+              </a:rPr>
+              <a:t>al cual el router envía todos los paquetes IP para los que no tiene una ruta descubierta o estática. </a:t>
+            </a:r>
+          </a:p>
+          <a:p>
+            <a:pPr marL="236538" lvl="0" indent="-236538" algn="l" defTabSz="814388">
+              <a:lnSpc>
+                <a:spcPct val="95000"/>
+              </a:lnSpc>
+              <a:spcBef>
+                <a:spcPct val="50000"/>
+              </a:spcBef>
+              <a:buClr>
+                <a:srgbClr val="708CA1"/>
+              </a:buClr>
+              <a:buFont typeface="Wingdings" pitchFamily="2" charset="2"/>
+              <a:buChar char="§"/>
+            </a:pPr>
+            <a:r>
+              <a:rPr lang="es-ES" sz="1800" kern="0" dirty="0">
+                <a:solidFill>
+                  <a:srgbClr val="000000"/>
+                </a:solidFill>
+                <a:latin typeface="Arial"/>
+              </a:rPr>
+              <a:t>Una </a:t>
+            </a:r>
+            <a:r>
+              <a:rPr lang="es-ES" sz="1800" b="1" kern="0" dirty="0">
+                <a:solidFill>
+                  <a:srgbClr val="FF0000"/>
+                </a:solidFill>
+                <a:latin typeface="Arial"/>
+              </a:rPr>
+              <a:t>ruta estática por default</a:t>
+            </a:r>
+            <a:r>
+              <a:rPr lang="es-ES" sz="1800" kern="0" dirty="0">
+                <a:solidFill>
+                  <a:srgbClr val="FF0000"/>
+                </a:solidFill>
+                <a:latin typeface="Arial"/>
+              </a:rPr>
+              <a:t> </a:t>
+            </a:r>
+            <a:r>
+              <a:rPr lang="es-ES" sz="1800" kern="0" dirty="0">
+                <a:solidFill>
+                  <a:srgbClr val="000000"/>
+                </a:solidFill>
+                <a:latin typeface="Arial"/>
+              </a:rPr>
+              <a:t>es simplemente una </a:t>
+            </a:r>
+            <a:r>
+              <a:rPr lang="es-ES" sz="1800" b="1" kern="0" dirty="0">
+                <a:solidFill>
+                  <a:srgbClr val="000000"/>
+                </a:solidFill>
+                <a:latin typeface="Arial"/>
+              </a:rPr>
+              <a:t>ruta estática con 0.0.0.0/0</a:t>
+            </a:r>
+            <a:r>
+              <a:rPr lang="es-ES" sz="1800" kern="0" dirty="0">
+                <a:solidFill>
+                  <a:srgbClr val="000000"/>
+                </a:solidFill>
+                <a:latin typeface="Arial"/>
+              </a:rPr>
+              <a:t> como dirección IPv4 de destino.</a:t>
+            </a:r>
+          </a:p>
+        </p:txBody>
+      </p:sp>
     </p:spTree>
     <p:extLst>
       <p:ext uri="{BB962C8B-B14F-4D97-AF65-F5344CB8AC3E}">
-        <p14:creationId xmlns:p14="http://schemas.microsoft.com/office/powerpoint/2010/main" val="1769836096"/>
+        <p14:creationId xmlns:p14="http://schemas.microsoft.com/office/powerpoint/2010/main" val="2938108257"/>
       </p:ext>
     </p:extLst>
   </p:cSld>
@@ -12318,7 +12529,7 @@
               </a14:hiddenLine>
             </a:ext>
             <a:ext uri="{FAA26D3D-D897-4be2-8F04-BA451C77F1D7}">
-              <ma14:placeholderFlag xmlns="" xmlns:o="urn:schemas-microsoft-com:office:office" xmlns:v="urn:schemas-microsoft-com:vml" xmlns:wp="http://schemas.openxmlformats.org/drawingml/2006/powerpointprocessingDrawing" xmlns:wne="http://schemas.microsoft.com/office/powerpoint/2006/powerpointml" xmlns:cdr="http://schemas.openxmlformats.org/drawingml/2006/chartDrawing" xmlns:dgm="http://schemas.openxmlformats.org/drawingml/2006/diagram" xmlns:c="http://schemas.openxmlformats.org/drawingml/2006/chart" xmlns:a14="http://schemas.microsoft.com/office/drawing/2010/main" xmlns:mc="http://schemas.openxmlformats.org/markup-compatibility/2006" xmlns:ma14="http://schemas.microsoft.com/office/mac/drawingml/2011/main" val="1"/>
+              <ma14:placeholderFlag xmlns:ma14="http://schemas.microsoft.com/office/mac/drawingml/2011/main" xmlns:mc="http://schemas.openxmlformats.org/markup-compatibility/2006" xmlns:a14="http://schemas.microsoft.com/office/drawing/2010/main" xmlns:c="http://schemas.openxmlformats.org/drawingml/2006/chart" xmlns:dgm="http://schemas.openxmlformats.org/drawingml/2006/diagram" xmlns:cdr="http://schemas.openxmlformats.org/drawingml/2006/chartDrawing" xmlns:wne="http://schemas.microsoft.com/office/powerpoint/2006/powerpointml" xmlns:wp="http://schemas.openxmlformats.org/drawingml/2006/powerpointprocessingDrawing" xmlns:v="urn:schemas-microsoft-com:vml" xmlns:o="urn:schemas-microsoft-com:office:office" xmlns="" val="1"/>
             </a:ext>
           </a:extLst>
         </p:spPr>
@@ -12581,308 +12792,6 @@
       </p:grpSpPr>
       <p:sp>
         <p:nvSpPr>
-          <p:cNvPr id="21505" name="Rectangle 2"/>
-          <p:cNvSpPr>
-            <a:spLocks noGrp="1" noChangeArrowheads="1"/>
-          </p:cNvSpPr>
-          <p:nvPr>
-            <p:ph type="title"/>
-          </p:nvPr>
-        </p:nvSpPr>
-        <p:spPr/>
-        <p:txBody>
-          <a:bodyPr/>
-          <a:lstStyle/>
-          <a:p>
-            <a:r>
-              <a:rPr lang="es-ES" sz="1800" dirty="0"/>
-              <a:t>Tipos de rutas estáticas</a:t>
-            </a:r>
-            <a:br>
-              <a:rPr dirty="0"/>
-            </a:br>
-            <a:r>
-              <a:rPr lang="es-ES" dirty="0"/>
-              <a:t>Ruta estática por default (predeterminada)</a:t>
-            </a:r>
-          </a:p>
-        </p:txBody>
-      </p:sp>
-      <p:pic>
-        <p:nvPicPr>
-          <p:cNvPr id="4" name="Content Placeholder 3"/>
-          <p:cNvPicPr>
-            <a:picLocks noGrp="1" noChangeAspect="1"/>
-          </p:cNvPicPr>
-          <p:nvPr>
-            <p:ph idx="1"/>
-          </p:nvPr>
-        </p:nvPicPr>
-        <p:blipFill>
-          <a:blip r:embed="rId3" cstate="email">
-            <a:extLst>
-              <a:ext uri="{28A0092B-C50C-407E-A947-70E740481C1C}">
-                <a14:useLocalDpi xmlns:a14="http://schemas.microsoft.com/office/drawing/2010/main" val="0"/>
-              </a:ext>
-            </a:extLst>
-          </a:blip>
-          <a:stretch>
-            <a:fillRect/>
-          </a:stretch>
-        </p:blipFill>
-        <p:spPr>
-          <a:xfrm>
-            <a:off x="2162294" y="3016019"/>
-            <a:ext cx="5428610" cy="3752173"/>
-          </a:xfrm>
-        </p:spPr>
-      </p:pic>
-      <p:sp>
-        <p:nvSpPr>
-          <p:cNvPr id="5" name="Rectangle 4"/>
-          <p:cNvSpPr/>
-          <p:nvPr/>
-        </p:nvSpPr>
-        <p:spPr>
-          <a:xfrm>
-            <a:off x="277042" y="1423059"/>
-            <a:ext cx="8718102" cy="1948226"/>
-          </a:xfrm>
-          <a:prstGeom prst="rect">
-            <a:avLst/>
-          </a:prstGeom>
-        </p:spPr>
-        <p:txBody>
-          <a:bodyPr wrap="square">
-            <a:spAutoFit/>
-          </a:bodyPr>
-          <a:lstStyle/>
-          <a:p>
-            <a:pPr marL="236538" lvl="0" indent="-236538" algn="l" defTabSz="814388">
-              <a:lnSpc>
-                <a:spcPct val="95000"/>
-              </a:lnSpc>
-              <a:spcBef>
-                <a:spcPct val="50000"/>
-              </a:spcBef>
-              <a:buClr>
-                <a:srgbClr val="708CA1"/>
-              </a:buClr>
-              <a:buFont typeface="Wingdings" pitchFamily="2" charset="2"/>
-              <a:buChar char="§"/>
-            </a:pPr>
-            <a:r>
-              <a:rPr lang="es-ES" sz="1800" kern="0" dirty="0">
-                <a:solidFill>
-                  <a:srgbClr val="000000"/>
-                </a:solidFill>
-                <a:latin typeface="Arial"/>
-              </a:rPr>
-              <a:t>Una </a:t>
-            </a:r>
-            <a:r>
-              <a:rPr lang="es-ES" sz="1800" b="1" kern="0" dirty="0">
-                <a:solidFill>
-                  <a:srgbClr val="FF0000"/>
-                </a:solidFill>
-                <a:latin typeface="Arial"/>
-              </a:rPr>
-              <a:t>ruta estática por default</a:t>
-            </a:r>
-            <a:r>
-              <a:rPr lang="es-ES" sz="1800" kern="0" dirty="0">
-                <a:solidFill>
-                  <a:srgbClr val="FF0000"/>
-                </a:solidFill>
-                <a:latin typeface="Arial"/>
-              </a:rPr>
-              <a:t> </a:t>
-            </a:r>
-            <a:r>
-              <a:rPr lang="es-ES" sz="1800" kern="0" dirty="0">
-                <a:solidFill>
-                  <a:srgbClr val="000000"/>
-                </a:solidFill>
-                <a:latin typeface="Arial"/>
-              </a:rPr>
-              <a:t>es aquella que coincide con todos los paquetes. </a:t>
-            </a:r>
-          </a:p>
-          <a:p>
-            <a:pPr marL="236538" lvl="0" indent="-236538" algn="l" defTabSz="814388">
-              <a:lnSpc>
-                <a:spcPct val="95000"/>
-              </a:lnSpc>
-              <a:spcBef>
-                <a:spcPct val="50000"/>
-              </a:spcBef>
-              <a:buClr>
-                <a:srgbClr val="708CA1"/>
-              </a:buClr>
-              <a:buFont typeface="Wingdings" pitchFamily="2" charset="2"/>
-              <a:buChar char="§"/>
-            </a:pPr>
-            <a:r>
-              <a:rPr lang="es-ES" sz="1800" kern="0" dirty="0">
-                <a:solidFill>
-                  <a:srgbClr val="000000"/>
-                </a:solidFill>
-                <a:latin typeface="Arial"/>
-              </a:rPr>
-              <a:t>Una </a:t>
-            </a:r>
-            <a:r>
-              <a:rPr lang="es-ES" sz="1800" b="1" kern="0" dirty="0">
-                <a:solidFill>
-                  <a:srgbClr val="FF0000"/>
-                </a:solidFill>
-                <a:latin typeface="Arial"/>
-              </a:rPr>
-              <a:t>ruta estática por default</a:t>
-            </a:r>
-            <a:r>
-              <a:rPr lang="es-ES" sz="1800" kern="0" dirty="0">
-                <a:solidFill>
-                  <a:srgbClr val="FF0000"/>
-                </a:solidFill>
-                <a:latin typeface="Arial"/>
-              </a:rPr>
-              <a:t> </a:t>
-            </a:r>
-            <a:r>
-              <a:rPr lang="es-ES" sz="1800" kern="0" dirty="0">
-                <a:solidFill>
-                  <a:srgbClr val="000000"/>
-                </a:solidFill>
-                <a:latin typeface="Arial"/>
-              </a:rPr>
-              <a:t>identifica la dirección </a:t>
-            </a:r>
-            <a:r>
-              <a:rPr lang="es-ES" sz="1800" b="1" kern="0" dirty="0">
-                <a:solidFill>
-                  <a:srgbClr val="000000"/>
-                </a:solidFill>
-                <a:latin typeface="Arial"/>
-              </a:rPr>
-              <a:t>IP del gateway </a:t>
-            </a:r>
-            <a:r>
-              <a:rPr lang="es-ES" sz="1800" kern="0" dirty="0">
-                <a:solidFill>
-                  <a:srgbClr val="000000"/>
-                </a:solidFill>
-                <a:latin typeface="Arial"/>
-              </a:rPr>
-              <a:t>al cual el router envía todos los paquetes IP para los que no tiene una ruta descubierta o estática. </a:t>
-            </a:r>
-          </a:p>
-          <a:p>
-            <a:pPr marL="236538" lvl="0" indent="-236538" algn="l" defTabSz="814388">
-              <a:lnSpc>
-                <a:spcPct val="95000"/>
-              </a:lnSpc>
-              <a:spcBef>
-                <a:spcPct val="50000"/>
-              </a:spcBef>
-              <a:buClr>
-                <a:srgbClr val="708CA1"/>
-              </a:buClr>
-              <a:buFont typeface="Wingdings" pitchFamily="2" charset="2"/>
-              <a:buChar char="§"/>
-            </a:pPr>
-            <a:r>
-              <a:rPr lang="es-ES" sz="1800" kern="0" dirty="0">
-                <a:solidFill>
-                  <a:srgbClr val="000000"/>
-                </a:solidFill>
-                <a:latin typeface="Arial"/>
-              </a:rPr>
-              <a:t>Una </a:t>
-            </a:r>
-            <a:r>
-              <a:rPr lang="es-ES" sz="1800" b="1" kern="0" dirty="0">
-                <a:solidFill>
-                  <a:srgbClr val="FF0000"/>
-                </a:solidFill>
-                <a:latin typeface="Arial"/>
-              </a:rPr>
-              <a:t>ruta estática por default</a:t>
-            </a:r>
-            <a:r>
-              <a:rPr lang="es-ES" sz="1800" kern="0" dirty="0">
-                <a:solidFill>
-                  <a:srgbClr val="FF0000"/>
-                </a:solidFill>
-                <a:latin typeface="Arial"/>
-              </a:rPr>
-              <a:t> </a:t>
-            </a:r>
-            <a:r>
-              <a:rPr lang="es-ES" sz="1800" kern="0" dirty="0">
-                <a:solidFill>
-                  <a:srgbClr val="000000"/>
-                </a:solidFill>
-                <a:latin typeface="Arial"/>
-              </a:rPr>
-              <a:t>es simplemente una </a:t>
-            </a:r>
-            <a:r>
-              <a:rPr lang="es-ES" sz="1800" b="1" kern="0" dirty="0">
-                <a:solidFill>
-                  <a:srgbClr val="000000"/>
-                </a:solidFill>
-                <a:latin typeface="Arial"/>
-              </a:rPr>
-              <a:t>ruta estática con 0.0.0.0/0</a:t>
-            </a:r>
-            <a:r>
-              <a:rPr lang="es-ES" sz="1800" kern="0" dirty="0">
-                <a:solidFill>
-                  <a:srgbClr val="000000"/>
-                </a:solidFill>
-                <a:latin typeface="Arial"/>
-              </a:rPr>
-              <a:t> como dirección IPv4 de destino.</a:t>
-            </a:r>
-          </a:p>
-        </p:txBody>
-      </p:sp>
-    </p:spTree>
-    <p:extLst>
-      <p:ext uri="{BB962C8B-B14F-4D97-AF65-F5344CB8AC3E}">
-        <p14:creationId xmlns:p14="http://schemas.microsoft.com/office/powerpoint/2010/main" val="4162076681"/>
-      </p:ext>
-    </p:extLst>
-  </p:cSld>
-  <p:clrMapOvr>
-    <a:masterClrMapping/>
-  </p:clrMapOvr>
-  <p:transition spd="med">
-    <p:wipe dir="r"/>
-  </p:transition>
-</p:sld>
-</file>
-
-<file path=ppt/slides/slide5.xml><?xml version="1.0" encoding="utf-8"?>
-<p:sld xmlns:a="http://schemas.openxmlformats.org/drawingml/2006/main" xmlns:r="http://schemas.openxmlformats.org/officeDocument/2006/relationships" xmlns:p="http://schemas.openxmlformats.org/presentationml/2006/main">
-  <p:cSld>
-    <p:spTree>
-      <p:nvGrpSpPr>
-        <p:cNvPr id="1" name=""/>
-        <p:cNvGrpSpPr/>
-        <p:nvPr/>
-      </p:nvGrpSpPr>
-      <p:grpSpPr>
-        <a:xfrm>
-          <a:off x="0" y="0"/>
-          <a:ext cx="0" cy="0"/>
-          <a:chOff x="0" y="0"/>
-          <a:chExt cx="0" cy="0"/>
-        </a:xfrm>
-      </p:grpSpPr>
-      <p:sp>
-        <p:nvSpPr>
           <p:cNvPr id="5122" name="Rectangle 2"/>
           <p:cNvSpPr>
             <a:spLocks noGrp="1" noChangeArrowheads="1"/>
@@ -12930,7 +12839,7 @@
 </p:sld>
 </file>
 
-<file path=ppt/slides/slide6.xml><?xml version="1.0" encoding="utf-8"?>
+<file path=ppt/slides/slide5.xml><?xml version="1.0" encoding="utf-8"?>
 <p:sld xmlns:a="http://schemas.openxmlformats.org/drawingml/2006/main" xmlns:r="http://schemas.openxmlformats.org/officeDocument/2006/relationships" xmlns:p="http://schemas.openxmlformats.org/presentationml/2006/main">
   <p:cSld>
     <p:spTree>
@@ -13015,6 +12924,411 @@
     <p:extLst>
       <p:ext uri="{BB962C8B-B14F-4D97-AF65-F5344CB8AC3E}">
         <p14:creationId xmlns:p14="http://schemas.microsoft.com/office/powerpoint/2010/main" val="2559917394"/>
+      </p:ext>
+    </p:extLst>
+  </p:cSld>
+  <p:clrMapOvr>
+    <a:masterClrMapping/>
+  </p:clrMapOvr>
+  <p:transition spd="med">
+    <p:wipe dir="r"/>
+  </p:transition>
+</p:sld>
+</file>
+
+<file path=ppt/slides/slide6.xml><?xml version="1.0" encoding="utf-8"?>
+<p:sld xmlns:a="http://schemas.openxmlformats.org/drawingml/2006/main" xmlns:r="http://schemas.openxmlformats.org/officeDocument/2006/relationships" xmlns:p="http://schemas.openxmlformats.org/presentationml/2006/main">
+  <p:cSld>
+    <p:spTree>
+      <p:nvGrpSpPr>
+        <p:cNvPr id="1" name=""/>
+        <p:cNvGrpSpPr/>
+        <p:nvPr/>
+      </p:nvGrpSpPr>
+      <p:grpSpPr>
+        <a:xfrm>
+          <a:off x="0" y="0"/>
+          <a:ext cx="0" cy="0"/>
+          <a:chOff x="0" y="0"/>
+          <a:chExt cx="0" cy="0"/>
+        </a:xfrm>
+      </p:grpSpPr>
+      <p:sp>
+        <p:nvSpPr>
+          <p:cNvPr id="21505" name="Rectangle 2"/>
+          <p:cNvSpPr>
+            <a:spLocks noGrp="1" noChangeArrowheads="1"/>
+          </p:cNvSpPr>
+          <p:nvPr>
+            <p:ph type="title"/>
+          </p:nvPr>
+        </p:nvSpPr>
+        <p:spPr>
+          <a:xfrm>
+            <a:off x="276998" y="296420"/>
+            <a:ext cx="8772157" cy="838200"/>
+          </a:xfrm>
+        </p:spPr>
+        <p:txBody>
+          <a:bodyPr/>
+          <a:lstStyle/>
+          <a:p>
+            <a:r>
+              <a:rPr lang="es-ES" dirty="0"/>
+              <a:t>Opciones del siguiente salto (Next-Hop)</a:t>
+            </a:r>
+          </a:p>
+        </p:txBody>
+      </p:sp>
+      <p:sp>
+        <p:nvSpPr>
+          <p:cNvPr id="3" name="Rectangle 2"/>
+          <p:cNvSpPr/>
+          <p:nvPr/>
+        </p:nvSpPr>
+        <p:spPr>
+          <a:xfrm>
+            <a:off x="276998" y="1385452"/>
+            <a:ext cx="8576057" cy="4508927"/>
+          </a:xfrm>
+          <a:prstGeom prst="rect">
+            <a:avLst/>
+          </a:prstGeom>
+        </p:spPr>
+        <p:txBody>
+          <a:bodyPr wrap="square">
+            <a:spAutoFit/>
+          </a:bodyPr>
+          <a:lstStyle/>
+          <a:p>
+            <a:pPr lvl="0" algn="l" defTabSz="814388">
+              <a:lnSpc>
+                <a:spcPct val="95000"/>
+              </a:lnSpc>
+              <a:spcBef>
+                <a:spcPct val="50000"/>
+              </a:spcBef>
+              <a:buClr>
+                <a:srgbClr val="708CA1"/>
+              </a:buClr>
+            </a:pPr>
+            <a:r>
+              <a:rPr lang="es-ES" sz="2000" kern="0" dirty="0">
+                <a:solidFill>
+                  <a:srgbClr val="000000"/>
+                </a:solidFill>
+                <a:latin typeface="Arial"/>
+              </a:rPr>
+              <a:t>El siguiente salto (</a:t>
+            </a:r>
+            <a:r>
+              <a:rPr lang="es-ES" sz="2000" b="1" kern="0" dirty="0" err="1">
+                <a:solidFill>
+                  <a:srgbClr val="000000"/>
+                </a:solidFill>
+                <a:latin typeface="Arial"/>
+              </a:rPr>
+              <a:t>next</a:t>
+            </a:r>
+            <a:r>
+              <a:rPr lang="es-ES" sz="2000" b="1" kern="0" dirty="0">
+                <a:solidFill>
+                  <a:srgbClr val="000000"/>
+                </a:solidFill>
+                <a:latin typeface="Arial"/>
+              </a:rPr>
+              <a:t>-hop</a:t>
+            </a:r>
+            <a:r>
+              <a:rPr lang="es-ES" sz="2000" kern="0" dirty="0">
+                <a:solidFill>
+                  <a:srgbClr val="000000"/>
+                </a:solidFill>
+                <a:latin typeface="Arial"/>
+              </a:rPr>
+              <a:t>) se puede identificar mediante una dirección IP, una interfaz de salida, o ambas. El modo en que se especifica el destino genera uno de los siguientes tres tipos de ruta:</a:t>
+            </a:r>
+          </a:p>
+          <a:p>
+            <a:pPr marL="236538" lvl="0" indent="-236538" algn="l" defTabSz="814388">
+              <a:lnSpc>
+                <a:spcPct val="95000"/>
+              </a:lnSpc>
+              <a:spcBef>
+                <a:spcPct val="50000"/>
+              </a:spcBef>
+              <a:buClr>
+                <a:srgbClr val="708CA1"/>
+              </a:buClr>
+              <a:buFont typeface="Wingdings" pitchFamily="2" charset="2"/>
+              <a:buChar char="§"/>
+            </a:pPr>
+            <a:r>
+              <a:rPr lang="es-ES" sz="2000" b="1" kern="0" dirty="0">
+                <a:solidFill>
+                  <a:srgbClr val="FF0000"/>
+                </a:solidFill>
+                <a:latin typeface="Arial"/>
+              </a:rPr>
+              <a:t>Ruta estática del siguiente salto (</a:t>
+            </a:r>
+            <a:r>
+              <a:rPr lang="es-ES" sz="2000" b="1" kern="0" dirty="0" err="1">
+                <a:solidFill>
+                  <a:srgbClr val="FF0000"/>
+                </a:solidFill>
+                <a:latin typeface="Arial"/>
+              </a:rPr>
+              <a:t>next</a:t>
+            </a:r>
+            <a:r>
+              <a:rPr lang="es-ES" sz="2000" b="1" kern="0" dirty="0">
+                <a:solidFill>
+                  <a:srgbClr val="FF0000"/>
+                </a:solidFill>
+                <a:latin typeface="Arial"/>
+              </a:rPr>
+              <a:t>-hop </a:t>
+            </a:r>
+            <a:r>
+              <a:rPr lang="es-ES" sz="2000" b="1" kern="0" dirty="0" err="1">
+                <a:solidFill>
+                  <a:srgbClr val="FF0000"/>
+                </a:solidFill>
+                <a:latin typeface="Arial"/>
+              </a:rPr>
+              <a:t>route</a:t>
+            </a:r>
+            <a:r>
+              <a:rPr lang="es-ES" sz="2000" b="1" kern="0" dirty="0">
+                <a:solidFill>
+                  <a:srgbClr val="FF0000"/>
+                </a:solidFill>
+                <a:latin typeface="Arial"/>
+              </a:rPr>
+              <a:t>) o recursiva</a:t>
+            </a:r>
+            <a:r>
+              <a:rPr lang="es-ES" sz="2000" kern="0" dirty="0">
+                <a:solidFill>
+                  <a:srgbClr val="FF0000"/>
+                </a:solidFill>
+                <a:latin typeface="Arial"/>
+              </a:rPr>
+              <a:t>: </a:t>
+            </a:r>
+            <a:r>
+              <a:rPr lang="es-ES" sz="2000" kern="0" dirty="0">
+                <a:solidFill>
+                  <a:srgbClr val="000000"/>
+                </a:solidFill>
+                <a:latin typeface="Arial"/>
+              </a:rPr>
+              <a:t>solo se especifica la dirección IP del siguiente salto (</a:t>
+            </a:r>
+            <a:r>
+              <a:rPr lang="es-ES" sz="2000" kern="0" dirty="0" err="1">
+                <a:solidFill>
+                  <a:srgbClr val="000000"/>
+                </a:solidFill>
+                <a:latin typeface="Arial"/>
+              </a:rPr>
+              <a:t>next</a:t>
+            </a:r>
+            <a:r>
+              <a:rPr lang="es-ES" sz="2000" kern="0" dirty="0">
+                <a:solidFill>
+                  <a:srgbClr val="000000"/>
+                </a:solidFill>
+                <a:latin typeface="Arial"/>
+              </a:rPr>
+              <a:t>-hop).</a:t>
+            </a:r>
+          </a:p>
+          <a:p>
+            <a:pPr marL="236538" lvl="0" indent="-236538" algn="l" defTabSz="814388">
+              <a:lnSpc>
+                <a:spcPct val="95000"/>
+              </a:lnSpc>
+              <a:spcBef>
+                <a:spcPct val="50000"/>
+              </a:spcBef>
+              <a:buClr>
+                <a:srgbClr val="708CA1"/>
+              </a:buClr>
+              <a:buFont typeface="Wingdings" pitchFamily="2" charset="2"/>
+              <a:buChar char="§"/>
+            </a:pPr>
+            <a:r>
+              <a:rPr lang="es-ES" sz="2000" b="1" kern="0" dirty="0">
+                <a:solidFill>
+                  <a:srgbClr val="FF0000"/>
+                </a:solidFill>
+                <a:latin typeface="Arial"/>
+              </a:rPr>
+              <a:t>Ruta estática directamente conectada</a:t>
+            </a:r>
+            <a:r>
+              <a:rPr lang="es-ES" sz="2000" kern="0" dirty="0">
+                <a:solidFill>
+                  <a:srgbClr val="FF0000"/>
+                </a:solidFill>
+                <a:latin typeface="Arial"/>
+              </a:rPr>
+              <a:t>: </a:t>
+            </a:r>
+            <a:r>
+              <a:rPr lang="es-ES" sz="2000" kern="0" dirty="0">
+                <a:solidFill>
+                  <a:srgbClr val="000000"/>
+                </a:solidFill>
+                <a:latin typeface="Arial"/>
+              </a:rPr>
+              <a:t>solo se especifica la interfaz de salida del </a:t>
+            </a:r>
+            <a:r>
+              <a:rPr lang="es-ES" sz="2000" kern="0" dirty="0" err="1">
+                <a:solidFill>
+                  <a:srgbClr val="000000"/>
+                </a:solidFill>
+                <a:latin typeface="Arial"/>
+              </a:rPr>
+              <a:t>router</a:t>
+            </a:r>
+            <a:r>
+              <a:rPr lang="es-ES" sz="2000" kern="0" dirty="0">
+                <a:solidFill>
+                  <a:srgbClr val="000000"/>
+                </a:solidFill>
+                <a:latin typeface="Arial"/>
+              </a:rPr>
+              <a:t>. El id de la interface (s0/0/0 o g0/0).</a:t>
+            </a:r>
+          </a:p>
+          <a:p>
+            <a:pPr marL="236538" lvl="0" indent="-236538" algn="l" defTabSz="814388">
+              <a:lnSpc>
+                <a:spcPct val="95000"/>
+              </a:lnSpc>
+              <a:spcBef>
+                <a:spcPct val="50000"/>
+              </a:spcBef>
+              <a:buClr>
+                <a:srgbClr val="708CA1"/>
+              </a:buClr>
+              <a:buFont typeface="Wingdings" pitchFamily="2" charset="2"/>
+              <a:buChar char="§"/>
+            </a:pPr>
+            <a:r>
+              <a:rPr lang="es-ES" sz="2000" b="1" kern="0" dirty="0">
+                <a:solidFill>
+                  <a:srgbClr val="FF0000"/>
+                </a:solidFill>
+                <a:latin typeface="Arial"/>
+              </a:rPr>
+              <a:t>Ruta estática completamente conectada (full </a:t>
+            </a:r>
+            <a:r>
+              <a:rPr lang="es-ES" sz="2000" b="1" kern="0" dirty="0" err="1">
+                <a:solidFill>
+                  <a:srgbClr val="FF0000"/>
+                </a:solidFill>
+                <a:latin typeface="Arial"/>
+              </a:rPr>
+              <a:t>connected</a:t>
+            </a:r>
+            <a:r>
+              <a:rPr lang="es-ES" sz="2000" b="1" kern="0" dirty="0">
+                <a:solidFill>
+                  <a:srgbClr val="FF0000"/>
+                </a:solidFill>
+                <a:latin typeface="Arial"/>
+              </a:rPr>
+              <a:t>) </a:t>
+            </a:r>
+            <a:r>
+              <a:rPr lang="es-ES" sz="2000" kern="0" dirty="0">
+                <a:solidFill>
+                  <a:srgbClr val="000000"/>
+                </a:solidFill>
+                <a:latin typeface="Arial"/>
+              </a:rPr>
+              <a:t>: se especifican la dirección IP del siguiente salto (</a:t>
+            </a:r>
+            <a:r>
+              <a:rPr lang="es-ES" sz="2000" kern="0" dirty="0" err="1">
+                <a:solidFill>
+                  <a:srgbClr val="000000"/>
+                </a:solidFill>
+                <a:latin typeface="Arial"/>
+              </a:rPr>
+              <a:t>next</a:t>
+            </a:r>
+            <a:r>
+              <a:rPr lang="es-ES" sz="2000" kern="0" dirty="0">
+                <a:solidFill>
+                  <a:srgbClr val="000000"/>
+                </a:solidFill>
+                <a:latin typeface="Arial"/>
+              </a:rPr>
+              <a:t>-hop) y la interfaz de salida. </a:t>
+            </a:r>
+          </a:p>
+          <a:p>
+            <a:pPr lvl="0" algn="just" defTabSz="814388">
+              <a:lnSpc>
+                <a:spcPct val="95000"/>
+              </a:lnSpc>
+              <a:spcBef>
+                <a:spcPct val="50000"/>
+              </a:spcBef>
+              <a:buClr>
+                <a:srgbClr val="708CA1"/>
+              </a:buClr>
+            </a:pPr>
+            <a:r>
+              <a:rPr lang="es-ES" sz="2000" b="1" kern="0" dirty="0">
+                <a:solidFill>
+                  <a:srgbClr val="000000"/>
+                </a:solidFill>
+                <a:latin typeface="Arial"/>
+              </a:rPr>
+              <a:t>NOTA: </a:t>
+            </a:r>
+            <a:r>
+              <a:rPr lang="es-ES" sz="2000" kern="0" dirty="0">
+                <a:solidFill>
+                  <a:srgbClr val="000000"/>
+                </a:solidFill>
+                <a:latin typeface="Arial"/>
+              </a:rPr>
+              <a:t>Si cambia la dirección IP del siguiente salto (</a:t>
+            </a:r>
+            <a:r>
+              <a:rPr lang="es-ES" sz="2000" kern="0" dirty="0" err="1">
+                <a:solidFill>
+                  <a:srgbClr val="000000"/>
+                </a:solidFill>
+                <a:latin typeface="Arial"/>
+              </a:rPr>
+              <a:t>next</a:t>
+            </a:r>
+            <a:r>
+              <a:rPr lang="es-ES" sz="2000" kern="0" dirty="0">
+                <a:solidFill>
+                  <a:srgbClr val="000000"/>
+                </a:solidFill>
+                <a:latin typeface="Arial"/>
+              </a:rPr>
+              <a:t>-hop), quedo totalmente incomunicado, por lo que es preferible utilizar las rutas directamente conectadas.</a:t>
+            </a:r>
+          </a:p>
+        </p:txBody>
+      </p:sp>
+    </p:spTree>
+    <p:extLst>
+      <p:ext uri="{BB962C8B-B14F-4D97-AF65-F5344CB8AC3E}">
+        <p14:creationId xmlns:p14="http://schemas.microsoft.com/office/powerpoint/2010/main" val="1768560687"/>
       </p:ext>
     </p:extLst>
   </p:cSld>
@@ -13056,370 +13370,64 @@
         </p:nvSpPr>
         <p:spPr>
           <a:xfrm>
-            <a:off x="276998" y="296420"/>
-            <a:ext cx="8772157" cy="838200"/>
+            <a:off x="128771" y="500527"/>
+            <a:ext cx="8772157" cy="1099672"/>
           </a:xfrm>
         </p:spPr>
         <p:txBody>
-          <a:bodyPr/>
+          <a:bodyPr anchor="t"/>
           <a:lstStyle/>
           <a:p>
-            <a:r>
-              <a:rPr lang="es-ES" dirty="0"/>
-              <a:t>Opciones del siguiente salto (Next-Hop)</a:t>
+            <a:pPr algn="ctr"/>
+            <a:r>
+              <a:rPr lang="es-ES" sz="2800" dirty="0"/>
+              <a:t>Configurar una ruta estática del siguiente salto (</a:t>
+            </a:r>
+            <a:r>
+              <a:rPr lang="es-ES" sz="2800" dirty="0" err="1"/>
+              <a:t>next</a:t>
+            </a:r>
+            <a:r>
+              <a:rPr lang="es-ES" sz="2800" dirty="0"/>
+              <a:t> – hop) o recursiva</a:t>
             </a:r>
           </a:p>
         </p:txBody>
       </p:sp>
-      <p:sp>
-        <p:nvSpPr>
-          <p:cNvPr id="3" name="Rectangle 2"/>
-          <p:cNvSpPr/>
+      <p:pic>
+        <p:nvPicPr>
+          <p:cNvPr id="2" name="Picture 1"/>
+          <p:cNvPicPr>
+            <a:picLocks noChangeAspect="1"/>
+          </p:cNvPicPr>
           <p:nvPr/>
-        </p:nvSpPr>
+        </p:nvPicPr>
+        <p:blipFill>
+          <a:blip r:embed="rId3">
+            <a:extLst>
+              <a:ext uri="{28A0092B-C50C-407E-A947-70E740481C1C}">
+                <a14:useLocalDpi xmlns:a14="http://schemas.microsoft.com/office/drawing/2010/main" val="0"/>
+              </a:ext>
+            </a:extLst>
+          </a:blip>
+          <a:stretch>
+            <a:fillRect/>
+          </a:stretch>
+        </p:blipFill>
         <p:spPr>
           <a:xfrm>
-            <a:off x="276998" y="1385452"/>
-            <a:ext cx="8576057" cy="4508927"/>
+            <a:off x="1323109" y="1474941"/>
+            <a:ext cx="6497782" cy="5383059"/>
           </a:xfrm>
           <a:prstGeom prst="rect">
             <a:avLst/>
           </a:prstGeom>
         </p:spPr>
-        <p:txBody>
-          <a:bodyPr wrap="square">
-            <a:spAutoFit/>
-          </a:bodyPr>
-          <a:lstStyle/>
-          <a:p>
-            <a:pPr lvl="0" algn="l" defTabSz="814388">
-              <a:lnSpc>
-                <a:spcPct val="95000"/>
-              </a:lnSpc>
-              <a:spcBef>
-                <a:spcPct val="50000"/>
-              </a:spcBef>
-              <a:buClr>
-                <a:srgbClr val="708CA1"/>
-              </a:buClr>
-            </a:pPr>
-            <a:r>
-              <a:rPr lang="es-ES" sz="2000" kern="0" dirty="0">
-                <a:solidFill>
-                  <a:srgbClr val="000000"/>
-                </a:solidFill>
-                <a:latin typeface="Arial"/>
-              </a:rPr>
-              <a:t>El siguiente salto (</a:t>
-            </a:r>
-            <a:r>
-              <a:rPr lang="es-ES" sz="2000" b="1" kern="0" dirty="0" err="1">
-                <a:solidFill>
-                  <a:srgbClr val="000000"/>
-                </a:solidFill>
-                <a:latin typeface="Arial"/>
-              </a:rPr>
-              <a:t>next</a:t>
-            </a:r>
-            <a:r>
-              <a:rPr lang="es-ES" sz="2000" b="1" kern="0" dirty="0">
-                <a:solidFill>
-                  <a:srgbClr val="000000"/>
-                </a:solidFill>
-                <a:latin typeface="Arial"/>
-              </a:rPr>
-              <a:t>-hop</a:t>
-            </a:r>
-            <a:r>
-              <a:rPr lang="es-ES" sz="2000" kern="0" dirty="0">
-                <a:solidFill>
-                  <a:srgbClr val="000000"/>
-                </a:solidFill>
-                <a:latin typeface="Arial"/>
-              </a:rPr>
-              <a:t>) se puede identificar mediante una dirección IP, una interfaz de salida, o ambas. El modo en que se especifica el destino genera uno de los siguientes tres tipos de ruta:</a:t>
-            </a:r>
-          </a:p>
-          <a:p>
-            <a:pPr marL="236538" lvl="0" indent="-236538" algn="l" defTabSz="814388">
-              <a:lnSpc>
-                <a:spcPct val="95000"/>
-              </a:lnSpc>
-              <a:spcBef>
-                <a:spcPct val="50000"/>
-              </a:spcBef>
-              <a:buClr>
-                <a:srgbClr val="708CA1"/>
-              </a:buClr>
-              <a:buFont typeface="Wingdings" pitchFamily="2" charset="2"/>
-              <a:buChar char="§"/>
-            </a:pPr>
-            <a:r>
-              <a:rPr lang="es-ES" sz="2000" b="1" kern="0" dirty="0">
-                <a:solidFill>
-                  <a:srgbClr val="FF0000"/>
-                </a:solidFill>
-                <a:latin typeface="Arial"/>
-              </a:rPr>
-              <a:t>Ruta estática del siguiente salto (</a:t>
-            </a:r>
-            <a:r>
-              <a:rPr lang="es-ES" sz="2000" b="1" kern="0" dirty="0" err="1">
-                <a:solidFill>
-                  <a:srgbClr val="FF0000"/>
-                </a:solidFill>
-                <a:latin typeface="Arial"/>
-              </a:rPr>
-              <a:t>next</a:t>
-            </a:r>
-            <a:r>
-              <a:rPr lang="es-ES" sz="2000" b="1" kern="0" dirty="0">
-                <a:solidFill>
-                  <a:srgbClr val="FF0000"/>
-                </a:solidFill>
-                <a:latin typeface="Arial"/>
-              </a:rPr>
-              <a:t>-hop </a:t>
-            </a:r>
-            <a:r>
-              <a:rPr lang="es-ES" sz="2000" b="1" kern="0" dirty="0" err="1">
-                <a:solidFill>
-                  <a:srgbClr val="FF0000"/>
-                </a:solidFill>
-                <a:latin typeface="Arial"/>
-              </a:rPr>
-              <a:t>route</a:t>
-            </a:r>
-            <a:r>
-              <a:rPr lang="es-ES" sz="2000" b="1" kern="0" dirty="0">
-                <a:solidFill>
-                  <a:srgbClr val="FF0000"/>
-                </a:solidFill>
-                <a:latin typeface="Arial"/>
-              </a:rPr>
-              <a:t>) o recursiva</a:t>
-            </a:r>
-            <a:r>
-              <a:rPr lang="es-ES" sz="2000" kern="0" dirty="0">
-                <a:solidFill>
-                  <a:srgbClr val="FF0000"/>
-                </a:solidFill>
-                <a:latin typeface="Arial"/>
-              </a:rPr>
-              <a:t>: </a:t>
-            </a:r>
-            <a:r>
-              <a:rPr lang="es-ES" sz="2000" kern="0" dirty="0">
-                <a:solidFill>
-                  <a:srgbClr val="000000"/>
-                </a:solidFill>
-                <a:latin typeface="Arial"/>
-              </a:rPr>
-              <a:t>solo se especifica la dirección IP del siguiente salto (</a:t>
-            </a:r>
-            <a:r>
-              <a:rPr lang="es-ES" sz="2000" kern="0" dirty="0" err="1">
-                <a:solidFill>
-                  <a:srgbClr val="000000"/>
-                </a:solidFill>
-                <a:latin typeface="Arial"/>
-              </a:rPr>
-              <a:t>next</a:t>
-            </a:r>
-            <a:r>
-              <a:rPr lang="es-ES" sz="2000" kern="0" dirty="0">
-                <a:solidFill>
-                  <a:srgbClr val="000000"/>
-                </a:solidFill>
-                <a:latin typeface="Arial"/>
-              </a:rPr>
-              <a:t>-hop).</a:t>
-            </a:r>
-          </a:p>
-          <a:p>
-            <a:pPr marL="236538" lvl="0" indent="-236538" algn="l" defTabSz="814388">
-              <a:lnSpc>
-                <a:spcPct val="95000"/>
-              </a:lnSpc>
-              <a:spcBef>
-                <a:spcPct val="50000"/>
-              </a:spcBef>
-              <a:buClr>
-                <a:srgbClr val="708CA1"/>
-              </a:buClr>
-              <a:buFont typeface="Wingdings" pitchFamily="2" charset="2"/>
-              <a:buChar char="§"/>
-            </a:pPr>
-            <a:r>
-              <a:rPr lang="es-ES" sz="2000" b="1" kern="0" dirty="0">
-                <a:solidFill>
-                  <a:srgbClr val="FF0000"/>
-                </a:solidFill>
-                <a:latin typeface="Arial"/>
-              </a:rPr>
-              <a:t>Ruta estática directamente conectada</a:t>
-            </a:r>
-            <a:r>
-              <a:rPr lang="es-ES" sz="2000" kern="0" dirty="0">
-                <a:solidFill>
-                  <a:srgbClr val="FF0000"/>
-                </a:solidFill>
-                <a:latin typeface="Arial"/>
-              </a:rPr>
-              <a:t>: </a:t>
-            </a:r>
-            <a:r>
-              <a:rPr lang="es-ES" sz="2000" kern="0" dirty="0">
-                <a:solidFill>
-                  <a:srgbClr val="000000"/>
-                </a:solidFill>
-                <a:latin typeface="Arial"/>
-              </a:rPr>
-              <a:t>solo se especifica la interfaz de salida del </a:t>
-            </a:r>
-            <a:r>
-              <a:rPr lang="es-ES" sz="2000" kern="0" dirty="0" err="1">
-                <a:solidFill>
-                  <a:srgbClr val="000000"/>
-                </a:solidFill>
-                <a:latin typeface="Arial"/>
-              </a:rPr>
-              <a:t>router</a:t>
-            </a:r>
-            <a:r>
-              <a:rPr lang="es-ES" sz="2000" kern="0" dirty="0">
-                <a:solidFill>
-                  <a:srgbClr val="000000"/>
-                </a:solidFill>
-                <a:latin typeface="Arial"/>
-              </a:rPr>
-              <a:t>. El id de la interface (s0/0/0 o g0/0).</a:t>
-            </a:r>
-          </a:p>
-          <a:p>
-            <a:pPr marL="236538" lvl="0" indent="-236538" algn="l" defTabSz="814388">
-              <a:lnSpc>
-                <a:spcPct val="95000"/>
-              </a:lnSpc>
-              <a:spcBef>
-                <a:spcPct val="50000"/>
-              </a:spcBef>
-              <a:buClr>
-                <a:srgbClr val="708CA1"/>
-              </a:buClr>
-              <a:buFont typeface="Wingdings" pitchFamily="2" charset="2"/>
-              <a:buChar char="§"/>
-            </a:pPr>
-            <a:r>
-              <a:rPr lang="es-ES" sz="2000" b="1" kern="0" dirty="0">
-                <a:solidFill>
-                  <a:srgbClr val="FF0000"/>
-                </a:solidFill>
-                <a:latin typeface="Arial"/>
-              </a:rPr>
-              <a:t>Ruta estática completamente conectada (full </a:t>
-            </a:r>
-            <a:r>
-              <a:rPr lang="es-ES" sz="2000" b="1" kern="0" dirty="0" err="1">
-                <a:solidFill>
-                  <a:srgbClr val="FF0000"/>
-                </a:solidFill>
-                <a:latin typeface="Arial"/>
-              </a:rPr>
-              <a:t>connected</a:t>
-            </a:r>
-            <a:r>
-              <a:rPr lang="es-ES" sz="2000" b="1" kern="0" dirty="0">
-                <a:solidFill>
-                  <a:srgbClr val="FF0000"/>
-                </a:solidFill>
-                <a:latin typeface="Arial"/>
-              </a:rPr>
-              <a:t>) </a:t>
-            </a:r>
-            <a:r>
-              <a:rPr lang="es-ES" sz="2000" kern="0" dirty="0">
-                <a:solidFill>
-                  <a:srgbClr val="000000"/>
-                </a:solidFill>
-                <a:latin typeface="Arial"/>
-              </a:rPr>
-              <a:t>: se especifican la dirección IP del siguiente salto (</a:t>
-            </a:r>
-            <a:r>
-              <a:rPr lang="es-ES" sz="2000" kern="0" dirty="0" err="1">
-                <a:solidFill>
-                  <a:srgbClr val="000000"/>
-                </a:solidFill>
-                <a:latin typeface="Arial"/>
-              </a:rPr>
-              <a:t>next</a:t>
-            </a:r>
-            <a:r>
-              <a:rPr lang="es-ES" sz="2000" kern="0" dirty="0">
-                <a:solidFill>
-                  <a:srgbClr val="000000"/>
-                </a:solidFill>
-                <a:latin typeface="Arial"/>
-              </a:rPr>
-              <a:t>-hop) y la interfaz de salida. </a:t>
-            </a:r>
-          </a:p>
-          <a:p>
-            <a:pPr lvl="0" algn="just" defTabSz="814388">
-              <a:lnSpc>
-                <a:spcPct val="95000"/>
-              </a:lnSpc>
-              <a:spcBef>
-                <a:spcPct val="50000"/>
-              </a:spcBef>
-              <a:buClr>
-                <a:srgbClr val="708CA1"/>
-              </a:buClr>
-            </a:pPr>
-            <a:r>
-              <a:rPr lang="es-ES" sz="2000" b="1" kern="0" dirty="0">
-                <a:solidFill>
-                  <a:srgbClr val="000000"/>
-                </a:solidFill>
-                <a:latin typeface="Arial"/>
-              </a:rPr>
-              <a:t>NOTA: </a:t>
-            </a:r>
-            <a:r>
-              <a:rPr lang="es-ES" sz="2000" kern="0" dirty="0">
-                <a:solidFill>
-                  <a:srgbClr val="000000"/>
-                </a:solidFill>
-                <a:latin typeface="Arial"/>
-              </a:rPr>
-              <a:t>Si cambia la dirección IP del siguiente salto (</a:t>
-            </a:r>
-            <a:r>
-              <a:rPr lang="es-ES" sz="2000" kern="0" dirty="0" err="1">
-                <a:solidFill>
-                  <a:srgbClr val="000000"/>
-                </a:solidFill>
-                <a:latin typeface="Arial"/>
-              </a:rPr>
-              <a:t>next</a:t>
-            </a:r>
-            <a:r>
-              <a:rPr lang="es-ES" sz="2000" kern="0" dirty="0">
-                <a:solidFill>
-                  <a:srgbClr val="000000"/>
-                </a:solidFill>
-                <a:latin typeface="Arial"/>
-              </a:rPr>
-              <a:t>-hop), quedo totalmente incomunicado, por lo que es preferible utilizar las rutas directamente conectadas.</a:t>
-            </a:r>
-          </a:p>
-        </p:txBody>
-      </p:sp>
+      </p:pic>
     </p:spTree>
     <p:extLst>
       <p:ext uri="{BB962C8B-B14F-4D97-AF65-F5344CB8AC3E}">
-        <p14:creationId xmlns:p14="http://schemas.microsoft.com/office/powerpoint/2010/main" val="1768560687"/>
+        <p14:creationId xmlns:p14="http://schemas.microsoft.com/office/powerpoint/2010/main" val="2876359554"/>
       </p:ext>
     </p:extLst>
   </p:cSld>
@@ -13451,7 +13459,7 @@
       </p:grpSpPr>
       <p:sp>
         <p:nvSpPr>
-          <p:cNvPr id="21505" name="Rectangle 2"/>
+          <p:cNvPr id="8194" name="Rectangle 2"/>
           <p:cNvSpPr>
             <a:spLocks noGrp="1" noChangeArrowheads="1"/>
           </p:cNvSpPr>
@@ -13461,40 +13469,44 @@
         </p:nvSpPr>
         <p:spPr>
           <a:xfrm>
-            <a:off x="128771" y="500527"/>
-            <a:ext cx="8772157" cy="1099672"/>
+            <a:off x="80100" y="559286"/>
+            <a:ext cx="8965929" cy="814009"/>
           </a:xfrm>
         </p:spPr>
         <p:txBody>
           <a:bodyPr anchor="t"/>
           <a:lstStyle/>
           <a:p>
-            <a:pPr algn="ctr"/>
+            <a:pPr algn="ctr" eaLnBrk="1" hangingPunct="1">
+              <a:defRPr/>
+            </a:pPr>
             <a:r>
               <a:rPr lang="es-ES" sz="2800" dirty="0"/>
-              <a:t>Configurar una ruta estática del siguiente salto (</a:t>
-            </a:r>
-            <a:r>
-              <a:rPr lang="es-ES" sz="2800" dirty="0" err="1"/>
-              <a:t>next</a:t>
-            </a:r>
-            <a:r>
-              <a:rPr lang="es-ES" sz="2800" dirty="0"/>
-              <a:t> – hop) o recursiva</a:t>
-            </a:r>
+              <a:t>Configurar una ruta estática directamente conectada</a:t>
+            </a:r>
+            <a:endParaRPr lang="es-ES" sz="2800" dirty="0">
+              <a:solidFill>
+                <a:schemeClr val="accent5">
+                  <a:lumMod val="75000"/>
+                </a:schemeClr>
+              </a:solidFill>
+              <a:cs typeface="Arial" pitchFamily="34" charset="0"/>
+            </a:endParaRPr>
           </a:p>
         </p:txBody>
       </p:sp>
       <p:pic>
         <p:nvPicPr>
-          <p:cNvPr id="2" name="Picture 1"/>
+          <p:cNvPr id="2" name="Content Placeholder 1"/>
           <p:cNvPicPr>
-            <a:picLocks noChangeAspect="1"/>
+            <a:picLocks noGrp="1" noChangeAspect="1"/>
           </p:cNvPicPr>
-          <p:nvPr/>
+          <p:nvPr>
+            <p:ph idx="1"/>
+          </p:nvPr>
         </p:nvPicPr>
         <p:blipFill>
-          <a:blip r:embed="rId3">
+          <a:blip r:embed="rId3" cstate="email">
             <a:extLst>
               <a:ext uri="{28A0092B-C50C-407E-A947-70E740481C1C}">
                 <a14:useLocalDpi xmlns:a14="http://schemas.microsoft.com/office/drawing/2010/main" val="0"/>
@@ -13507,8 +13519,34 @@
         </p:blipFill>
         <p:spPr>
           <a:xfrm>
-            <a:off x="1323109" y="1474941"/>
-            <a:ext cx="6497782" cy="5383059"/>
+            <a:off x="476316" y="1495607"/>
+            <a:ext cx="8445880" cy="4669708"/>
+          </a:xfrm>
+        </p:spPr>
+      </p:pic>
+      <p:pic>
+        <p:nvPicPr>
+          <p:cNvPr id="3" name="Picture 2"/>
+          <p:cNvPicPr>
+            <a:picLocks noChangeAspect="1"/>
+          </p:cNvPicPr>
+          <p:nvPr/>
+        </p:nvPicPr>
+        <p:blipFill rotWithShape="1">
+          <a:blip r:embed="rId4" cstate="email">
+            <a:extLst>
+              <a:ext uri="{28A0092B-C50C-407E-A947-70E740481C1C}">
+                <a14:useLocalDpi xmlns:a14="http://schemas.microsoft.com/office/drawing/2010/main"/>
+              </a:ext>
+            </a:extLst>
+          </a:blip>
+          <a:srcRect/>
+          <a:stretch/>
+        </p:blipFill>
+        <p:spPr>
+          <a:xfrm>
+            <a:off x="4290607" y="4624505"/>
+            <a:ext cx="4631589" cy="1674209"/>
           </a:xfrm>
           <a:prstGeom prst="rect">
             <a:avLst/>
@@ -13518,7 +13556,7 @@
     </p:spTree>
     <p:extLst>
       <p:ext uri="{BB962C8B-B14F-4D97-AF65-F5344CB8AC3E}">
-        <p14:creationId xmlns:p14="http://schemas.microsoft.com/office/powerpoint/2010/main" val="2876359554"/>
+        <p14:creationId xmlns:p14="http://schemas.microsoft.com/office/powerpoint/2010/main" val="3783976944"/>
       </p:ext>
     </p:extLst>
   </p:cSld>
@@ -13550,7 +13588,7 @@
       </p:grpSpPr>
       <p:sp>
         <p:nvSpPr>
-          <p:cNvPr id="8194" name="Rectangle 2"/>
+          <p:cNvPr id="21505" name="Rectangle 2"/>
           <p:cNvSpPr>
             <a:spLocks noGrp="1" noChangeArrowheads="1"/>
           </p:cNvSpPr>
@@ -13560,84 +13598,46 @@
         </p:nvSpPr>
         <p:spPr>
           <a:xfrm>
-            <a:off x="80100" y="559286"/>
-            <a:ext cx="8965929" cy="814009"/>
+            <a:off x="185921" y="451542"/>
+            <a:ext cx="8772157" cy="838200"/>
           </a:xfrm>
         </p:spPr>
         <p:txBody>
           <a:bodyPr anchor="t"/>
           <a:lstStyle/>
           <a:p>
-            <a:pPr algn="ctr" eaLnBrk="1" hangingPunct="1">
-              <a:defRPr/>
-            </a:pPr>
+            <a:pPr algn="ctr"/>
             <a:r>
               <a:rPr lang="es-ES" sz="2800" dirty="0"/>
-              <a:t>Configurar una ruta estática directamente conectada</a:t>
-            </a:r>
-            <a:endParaRPr lang="es-ES" sz="2800" dirty="0">
-              <a:solidFill>
-                <a:schemeClr val="accent5">
-                  <a:lumMod val="75000"/>
-                </a:schemeClr>
-              </a:solidFill>
-              <a:cs typeface="Arial" pitchFamily="34" charset="0"/>
-            </a:endParaRPr>
+              <a:t>Configurar una ruta estática totalmente especificada (completamente conectada)</a:t>
+            </a:r>
           </a:p>
         </p:txBody>
       </p:sp>
       <p:pic>
         <p:nvPicPr>
-          <p:cNvPr id="2" name="Content Placeholder 1"/>
+          <p:cNvPr id="4" name="Imagen 3">
+            <a:extLst>
+              <a:ext uri="{FF2B5EF4-FFF2-40B4-BE49-F238E27FC236}">
+                <a16:creationId xmlns:a16="http://schemas.microsoft.com/office/drawing/2014/main" id="{2B215643-1F10-48B2-972E-B78984315417}"/>
+              </a:ext>
+            </a:extLst>
+          </p:cNvPr>
           <p:cNvPicPr>
-            <a:picLocks noGrp="1" noChangeAspect="1"/>
+            <a:picLocks noChangeAspect="1"/>
           </p:cNvPicPr>
-          <p:nvPr>
-            <p:ph idx="1"/>
-          </p:nvPr>
+          <p:nvPr/>
         </p:nvPicPr>
         <p:blipFill>
-          <a:blip r:embed="rId3" cstate="email">
-            <a:extLst>
-              <a:ext uri="{28A0092B-C50C-407E-A947-70E740481C1C}">
-                <a14:useLocalDpi xmlns:a14="http://schemas.microsoft.com/office/drawing/2010/main" val="0"/>
-              </a:ext>
-            </a:extLst>
-          </a:blip>
+          <a:blip r:embed="rId3"/>
           <a:stretch>
             <a:fillRect/>
           </a:stretch>
         </p:blipFill>
         <p:spPr>
           <a:xfrm>
-            <a:off x="476316" y="1495607"/>
-            <a:ext cx="8445880" cy="4669708"/>
-          </a:xfrm>
-        </p:spPr>
-      </p:pic>
-      <p:pic>
-        <p:nvPicPr>
-          <p:cNvPr id="3" name="Picture 2"/>
-          <p:cNvPicPr>
-            <a:picLocks noChangeAspect="1"/>
-          </p:cNvPicPr>
-          <p:nvPr/>
-        </p:nvPicPr>
-        <p:blipFill rotWithShape="1">
-          <a:blip r:embed="rId4" cstate="email">
-            <a:extLst>
-              <a:ext uri="{28A0092B-C50C-407E-A947-70E740481C1C}">
-                <a14:useLocalDpi xmlns:a14="http://schemas.microsoft.com/office/drawing/2010/main"/>
-              </a:ext>
-            </a:extLst>
-          </a:blip>
-          <a:srcRect/>
-          <a:stretch/>
-        </p:blipFill>
-        <p:spPr>
-          <a:xfrm>
-            <a:off x="4290607" y="4624505"/>
-            <a:ext cx="4631589" cy="1674209"/>
+            <a:off x="476250" y="1461346"/>
+            <a:ext cx="8079757" cy="4945111"/>
           </a:xfrm>
           <a:prstGeom prst="rect">
             <a:avLst/>
@@ -13647,7 +13647,7 @@
     </p:spTree>
     <p:extLst>
       <p:ext uri="{BB962C8B-B14F-4D97-AF65-F5344CB8AC3E}">
-        <p14:creationId xmlns:p14="http://schemas.microsoft.com/office/powerpoint/2010/main" val="3783976944"/>
+        <p14:creationId xmlns:p14="http://schemas.microsoft.com/office/powerpoint/2010/main" val="2258191345"/>
       </p:ext>
     </p:extLst>
   </p:cSld>

--- a/Calendario2023/Presentaciones/17_RuteoEstatico.pptx
+++ b/Calendario2023/Presentaciones/17_RuteoEstatico.pptx
@@ -761,7 +761,7 @@
               </a14:hiddenFill>
             </a:ext>
             <a:ext uri="{FAA26D3D-D897-4be2-8F04-BA451C77F1D7}">
-              <ma14:placeholderFlag xmlns:ma14="http://schemas.microsoft.com/office/mac/drawingml/2011/main" xmlns:mc="http://schemas.openxmlformats.org/markup-compatibility/2006" xmlns:a14="http://schemas.microsoft.com/office/drawing/2010/main" xmlns:c="http://schemas.openxmlformats.org/drawingml/2006/chart" xmlns:dgm="http://schemas.openxmlformats.org/drawingml/2006/diagram" xmlns:cdr="http://schemas.openxmlformats.org/drawingml/2006/chartDrawing" xmlns:wne="http://schemas.microsoft.com/office/powerpoint/2006/powerpointml" xmlns:wp="http://schemas.openxmlformats.org/drawingml/2006/powerpointprocessingDrawing" xmlns:v="urn:schemas-microsoft-com:vml" xmlns:o="urn:schemas-microsoft-com:office:office" xmlns="" val="1"/>
+              <ma14:placeholderFlag xmlns="" xmlns:o="urn:schemas-microsoft-com:office:office" xmlns:v="urn:schemas-microsoft-com:vml" xmlns:wp="http://schemas.openxmlformats.org/drawingml/2006/powerpointprocessingDrawing" xmlns:wne="http://schemas.microsoft.com/office/powerpoint/2006/powerpointml" xmlns:cdr="http://schemas.openxmlformats.org/drawingml/2006/chartDrawing" xmlns:dgm="http://schemas.openxmlformats.org/drawingml/2006/diagram" xmlns:c="http://schemas.openxmlformats.org/drawingml/2006/chart" xmlns:a14="http://schemas.microsoft.com/office/drawing/2010/main" xmlns:mc="http://schemas.openxmlformats.org/markup-compatibility/2006" xmlns:ma14="http://schemas.microsoft.com/office/mac/drawingml/2011/main" val="1"/>
             </a:ext>
           </a:extLst>
         </p:spPr>
@@ -8979,7 +8979,7 @@
               </a14:hiddenLine>
             </a:ext>
             <a:ext uri="{FAA26D3D-D897-4be2-8F04-BA451C77F1D7}">
-              <ma14:placeholderFlag xmlns:ma14="http://schemas.microsoft.com/office/mac/drawingml/2011/main" xmlns:mc="http://schemas.openxmlformats.org/markup-compatibility/2006" xmlns:a14="http://schemas.microsoft.com/office/drawing/2010/main" xmlns:c="http://schemas.openxmlformats.org/drawingml/2006/chart" xmlns:dgm="http://schemas.openxmlformats.org/drawingml/2006/diagram" xmlns:cdr="http://schemas.openxmlformats.org/drawingml/2006/chartDrawing" xmlns:wne="http://schemas.microsoft.com/office/powerpoint/2006/powerpointml" xmlns:wp="http://schemas.openxmlformats.org/drawingml/2006/powerpointprocessingDrawing" xmlns:v="urn:schemas-microsoft-com:vml" xmlns:o="urn:schemas-microsoft-com:office:office" xmlns="" val="1"/>
+              <ma14:placeholderFlag xmlns="" xmlns:o="urn:schemas-microsoft-com:office:office" xmlns:v="urn:schemas-microsoft-com:vml" xmlns:wp="http://schemas.openxmlformats.org/drawingml/2006/powerpointprocessingDrawing" xmlns:wne="http://schemas.microsoft.com/office/powerpoint/2006/powerpointml" xmlns:cdr="http://schemas.openxmlformats.org/drawingml/2006/chartDrawing" xmlns:dgm="http://schemas.openxmlformats.org/drawingml/2006/diagram" xmlns:c="http://schemas.openxmlformats.org/drawingml/2006/chart" xmlns:a14="http://schemas.microsoft.com/office/drawing/2010/main" xmlns:mc="http://schemas.openxmlformats.org/markup-compatibility/2006" xmlns:ma14="http://schemas.microsoft.com/office/mac/drawingml/2011/main" val="1"/>
             </a:ext>
           </a:extLst>
         </p:spPr>
@@ -9189,7 +9189,7 @@
               </a14:hiddenLine>
             </a:ext>
             <a:ext uri="{FAA26D3D-D897-4be2-8F04-BA451C77F1D7}">
-              <ma14:placeholderFlag xmlns:ma14="http://schemas.microsoft.com/office/mac/drawingml/2011/main" xmlns:mc="http://schemas.openxmlformats.org/markup-compatibility/2006" xmlns:a14="http://schemas.microsoft.com/office/drawing/2010/main" xmlns:c="http://schemas.openxmlformats.org/drawingml/2006/chart" xmlns:dgm="http://schemas.openxmlformats.org/drawingml/2006/diagram" xmlns:cdr="http://schemas.openxmlformats.org/drawingml/2006/chartDrawing" xmlns:wne="http://schemas.microsoft.com/office/powerpoint/2006/powerpointml" xmlns:wp="http://schemas.openxmlformats.org/drawingml/2006/powerpointprocessingDrawing" xmlns:v="urn:schemas-microsoft-com:vml" xmlns:o="urn:schemas-microsoft-com:office:office" xmlns="" val="1"/>
+              <ma14:placeholderFlag xmlns="" xmlns:o="urn:schemas-microsoft-com:office:office" xmlns:v="urn:schemas-microsoft-com:vml" xmlns:wp="http://schemas.openxmlformats.org/drawingml/2006/powerpointprocessingDrawing" xmlns:wne="http://schemas.microsoft.com/office/powerpoint/2006/powerpointml" xmlns:cdr="http://schemas.openxmlformats.org/drawingml/2006/chartDrawing" xmlns:dgm="http://schemas.openxmlformats.org/drawingml/2006/diagram" xmlns:c="http://schemas.openxmlformats.org/drawingml/2006/chart" xmlns:a14="http://schemas.microsoft.com/office/drawing/2010/main" xmlns:mc="http://schemas.openxmlformats.org/markup-compatibility/2006" xmlns:ma14="http://schemas.microsoft.com/office/mac/drawingml/2011/main" val="1"/>
             </a:ext>
           </a:extLst>
         </p:spPr>
@@ -9953,7 +9953,7 @@
               </a14:hiddenLine>
             </a:ext>
             <a:ext uri="{FAA26D3D-D897-4be2-8F04-BA451C77F1D7}">
-              <ma14:placeholderFlag xmlns:ma14="http://schemas.microsoft.com/office/mac/drawingml/2011/main" xmlns:mc="http://schemas.openxmlformats.org/markup-compatibility/2006" xmlns:a14="http://schemas.microsoft.com/office/drawing/2010/main" xmlns:c="http://schemas.openxmlformats.org/drawingml/2006/chart" xmlns:dgm="http://schemas.openxmlformats.org/drawingml/2006/diagram" xmlns:cdr="http://schemas.openxmlformats.org/drawingml/2006/chartDrawing" xmlns:wne="http://schemas.microsoft.com/office/powerpoint/2006/powerpointml" xmlns:wp="http://schemas.openxmlformats.org/drawingml/2006/powerpointprocessingDrawing" xmlns:v="urn:schemas-microsoft-com:vml" xmlns:o="urn:schemas-microsoft-com:office:office" xmlns="" val="1"/>
+              <ma14:placeholderFlag xmlns="" xmlns:o="urn:schemas-microsoft-com:office:office" xmlns:v="urn:schemas-microsoft-com:vml" xmlns:wp="http://schemas.openxmlformats.org/drawingml/2006/powerpointprocessingDrawing" xmlns:wne="http://schemas.microsoft.com/office/powerpoint/2006/powerpointml" xmlns:cdr="http://schemas.openxmlformats.org/drawingml/2006/chartDrawing" xmlns:dgm="http://schemas.openxmlformats.org/drawingml/2006/diagram" xmlns:c="http://schemas.openxmlformats.org/drawingml/2006/chart" xmlns:a14="http://schemas.microsoft.com/office/drawing/2010/main" xmlns:mc="http://schemas.openxmlformats.org/markup-compatibility/2006" xmlns:ma14="http://schemas.microsoft.com/office/mac/drawingml/2011/main" val="1"/>
             </a:ext>
           </a:extLst>
         </p:spPr>
@@ -10153,7 +10153,7 @@
               </a14:hiddenLine>
             </a:ext>
             <a:ext uri="{FAA26D3D-D897-4be2-8F04-BA451C77F1D7}">
-              <ma14:placeholderFlag xmlns:ma14="http://schemas.microsoft.com/office/mac/drawingml/2011/main" xmlns:mc="http://schemas.openxmlformats.org/markup-compatibility/2006" xmlns:a14="http://schemas.microsoft.com/office/drawing/2010/main" xmlns:c="http://schemas.openxmlformats.org/drawingml/2006/chart" xmlns:dgm="http://schemas.openxmlformats.org/drawingml/2006/diagram" xmlns:cdr="http://schemas.openxmlformats.org/drawingml/2006/chartDrawing" xmlns:wne="http://schemas.microsoft.com/office/powerpoint/2006/powerpointml" xmlns:wp="http://schemas.openxmlformats.org/drawingml/2006/powerpointprocessingDrawing" xmlns:v="urn:schemas-microsoft-com:vml" xmlns:o="urn:schemas-microsoft-com:office:office" xmlns="" val="1"/>
+              <ma14:placeholderFlag xmlns="" xmlns:o="urn:schemas-microsoft-com:office:office" xmlns:v="urn:schemas-microsoft-com:vml" xmlns:wp="http://schemas.openxmlformats.org/drawingml/2006/powerpointprocessingDrawing" xmlns:wne="http://schemas.microsoft.com/office/powerpoint/2006/powerpointml" xmlns:cdr="http://schemas.openxmlformats.org/drawingml/2006/chartDrawing" xmlns:dgm="http://schemas.openxmlformats.org/drawingml/2006/diagram" xmlns:c="http://schemas.openxmlformats.org/drawingml/2006/chart" xmlns:a14="http://schemas.microsoft.com/office/drawing/2010/main" xmlns:mc="http://schemas.openxmlformats.org/markup-compatibility/2006" xmlns:ma14="http://schemas.microsoft.com/office/mac/drawingml/2011/main" val="1"/>
             </a:ext>
           </a:extLst>
         </p:spPr>
@@ -12529,7 +12529,7 @@
               </a14:hiddenLine>
             </a:ext>
             <a:ext uri="{FAA26D3D-D897-4be2-8F04-BA451C77F1D7}">
-              <ma14:placeholderFlag xmlns:ma14="http://schemas.microsoft.com/office/mac/drawingml/2011/main" xmlns:mc="http://schemas.openxmlformats.org/markup-compatibility/2006" xmlns:a14="http://schemas.microsoft.com/office/drawing/2010/main" xmlns:c="http://schemas.openxmlformats.org/drawingml/2006/chart" xmlns:dgm="http://schemas.openxmlformats.org/drawingml/2006/diagram" xmlns:cdr="http://schemas.openxmlformats.org/drawingml/2006/chartDrawing" xmlns:wne="http://schemas.microsoft.com/office/powerpoint/2006/powerpointml" xmlns:wp="http://schemas.openxmlformats.org/drawingml/2006/powerpointprocessingDrawing" xmlns:v="urn:schemas-microsoft-com:vml" xmlns:o="urn:schemas-microsoft-com:office:office" xmlns="" val="1"/>
+              <ma14:placeholderFlag xmlns="" xmlns:o="urn:schemas-microsoft-com:office:office" xmlns:v="urn:schemas-microsoft-com:vml" xmlns:wp="http://schemas.openxmlformats.org/drawingml/2006/powerpointprocessingDrawing" xmlns:wne="http://schemas.microsoft.com/office/powerpoint/2006/powerpointml" xmlns:cdr="http://schemas.openxmlformats.org/drawingml/2006/chartDrawing" xmlns:dgm="http://schemas.openxmlformats.org/drawingml/2006/diagram" xmlns:c="http://schemas.openxmlformats.org/drawingml/2006/chart" xmlns:a14="http://schemas.microsoft.com/office/drawing/2010/main" xmlns:mc="http://schemas.openxmlformats.org/markup-compatibility/2006" xmlns:ma14="http://schemas.microsoft.com/office/mac/drawingml/2011/main" val="1"/>
             </a:ext>
           </a:extLst>
         </p:spPr>
